--- a/imgs/overview.pptx
+++ b/imgs/overview.pptx
@@ -5663,7 +5663,7 @@
         <p:spPr>
           <a:xfrm>
             <a:off x="7634334" y="4406901"/>
-            <a:ext cx="1497931" cy="1087208"/>
+            <a:ext cx="1497931" cy="886992"/>
           </a:xfrm>
           <a:prstGeom prst="roundRect">
             <a:avLst/>
@@ -5958,7 +5958,7 @@
         </p:nvSpPr>
         <p:spPr>
           <a:xfrm>
-            <a:off x="5577203" y="4705909"/>
+            <a:off x="5577203" y="4615672"/>
             <a:ext cx="1384239" cy="489192"/>
           </a:xfrm>
           <a:prstGeom prst="roundRect">
@@ -6046,7 +6046,7 @@
         </p:nvCxnSpPr>
         <p:spPr>
           <a:xfrm flipH="1">
-            <a:off x="7046967" y="4950505"/>
+            <a:off x="7046967" y="4860268"/>
             <a:ext cx="520896" cy="0"/>
           </a:xfrm>
           <a:prstGeom prst="straightConnector1">
@@ -6090,7 +6090,7 @@
         </p:nvCxnSpPr>
         <p:spPr>
           <a:xfrm>
-            <a:off x="7166187" y="4748107"/>
+            <a:off x="7166187" y="4657870"/>
             <a:ext cx="365760" cy="358986"/>
           </a:xfrm>
           <a:prstGeom prst="line">
@@ -6140,7 +6140,7 @@
         </p:nvCxnSpPr>
         <p:spPr>
           <a:xfrm flipV="1">
-            <a:off x="7173624" y="4775200"/>
+            <a:off x="7173624" y="4684963"/>
             <a:ext cx="338003" cy="311573"/>
           </a:xfrm>
           <a:prstGeom prst="line">
@@ -6158,6 +6158,108 @@
               </a:prstClr>
             </a:outerShdw>
           </a:effectLst>
+        </p:spPr>
+        <p:style>
+          <a:lnRef idx="1">
+            <a:schemeClr val="accent1"/>
+          </a:lnRef>
+          <a:fillRef idx="0">
+            <a:schemeClr val="accent1"/>
+          </a:fillRef>
+          <a:effectRef idx="0">
+            <a:schemeClr val="accent1"/>
+          </a:effectRef>
+          <a:fontRef idx="minor">
+            <a:schemeClr val="tx1"/>
+          </a:fontRef>
+        </p:style>
+      </p:cxnSp>
+      <p:sp>
+        <p:nvSpPr>
+          <p:cNvPr id="66" name="Rechteck: abgerundete Ecken 65">
+            <a:extLst>
+              <a:ext uri="{FF2B5EF4-FFF2-40B4-BE49-F238E27FC236}">
+                <a16:creationId xmlns:a16="http://schemas.microsoft.com/office/drawing/2014/main" id="{48271FF7-E270-48AC-94C2-D5FD98AC3255}"/>
+              </a:ext>
+            </a:extLst>
+          </p:cNvPr>
+          <p:cNvSpPr/>
+          <p:nvPr/>
+        </p:nvSpPr>
+        <p:spPr>
+          <a:xfrm>
+            <a:off x="7634334" y="1812569"/>
+            <a:ext cx="1497931" cy="489193"/>
+          </a:xfrm>
+          <a:prstGeom prst="roundRect">
+            <a:avLst/>
+          </a:prstGeom>
+          <a:solidFill>
+            <a:srgbClr val="0070C0"/>
+          </a:solidFill>
+          <a:ln>
+            <a:solidFill>
+              <a:schemeClr val="tx1"/>
+            </a:solidFill>
+          </a:ln>
+        </p:spPr>
+        <p:style>
+          <a:lnRef idx="2">
+            <a:schemeClr val="accent1">
+              <a:shade val="50000"/>
+            </a:schemeClr>
+          </a:lnRef>
+          <a:fillRef idx="1">
+            <a:schemeClr val="accent1"/>
+          </a:fillRef>
+          <a:effectRef idx="0">
+            <a:schemeClr val="accent1"/>
+          </a:effectRef>
+          <a:fontRef idx="minor">
+            <a:schemeClr val="lt1"/>
+          </a:fontRef>
+        </p:style>
+        <p:txBody>
+          <a:bodyPr rtlCol="0" anchor="ctr"/>
+          <a:lstStyle/>
+          <a:p>
+            <a:pPr algn="ctr"/>
+            <a:r>
+              <a:rPr lang="de-DE" dirty="0" err="1"/>
+              <a:t>Logspector</a:t>
+            </a:r>
+            <a:endParaRPr lang="en-US" dirty="0"/>
+          </a:p>
+        </p:txBody>
+      </p:sp>
+      <p:cxnSp>
+        <p:nvCxnSpPr>
+          <p:cNvPr id="67" name="Gerade Verbindung mit Pfeil 66">
+            <a:extLst>
+              <a:ext uri="{FF2B5EF4-FFF2-40B4-BE49-F238E27FC236}">
+                <a16:creationId xmlns:a16="http://schemas.microsoft.com/office/drawing/2014/main" id="{975AB0EF-E6E8-4685-A0D3-5441A39EB97F}"/>
+              </a:ext>
+            </a:extLst>
+          </p:cNvPr>
+          <p:cNvCxnSpPr>
+            <a:cxnSpLocks/>
+          </p:cNvCxnSpPr>
+          <p:nvPr/>
+        </p:nvCxnSpPr>
+        <p:spPr>
+          <a:xfrm>
+            <a:off x="8378567" y="2378674"/>
+            <a:ext cx="0" cy="295490"/>
+          </a:xfrm>
+          <a:prstGeom prst="straightConnector1">
+            <a:avLst/>
+          </a:prstGeom>
+          <a:ln w="25400">
+            <a:solidFill>
+              <a:schemeClr val="tx1"/>
+            </a:solidFill>
+            <a:tailEnd type="triangle" w="med" len="med"/>
+          </a:ln>
         </p:spPr>
         <p:style>
           <a:lnRef idx="1">

--- a/imgs/overview.pptx
+++ b/imgs/overview.pptx
@@ -261,7 +261,7 @@
           <a:p>
             <a:fld id="{4AF7FC59-CE6B-4373-8AD1-CA18C966BC3A}" type="datetimeFigureOut">
               <a:rPr lang="en-US" smtClean="0"/>
-              <a:t>3/18/2020</a:t>
+              <a:t>7/16/2020</a:t>
             </a:fld>
             <a:endParaRPr lang="en-US"/>
           </a:p>
@@ -461,7 +461,7 @@
           <a:p>
             <a:fld id="{4AF7FC59-CE6B-4373-8AD1-CA18C966BC3A}" type="datetimeFigureOut">
               <a:rPr lang="en-US" smtClean="0"/>
-              <a:t>3/18/2020</a:t>
+              <a:t>7/16/2020</a:t>
             </a:fld>
             <a:endParaRPr lang="en-US"/>
           </a:p>
@@ -671,7 +671,7 @@
           <a:p>
             <a:fld id="{4AF7FC59-CE6B-4373-8AD1-CA18C966BC3A}" type="datetimeFigureOut">
               <a:rPr lang="en-US" smtClean="0"/>
-              <a:t>3/18/2020</a:t>
+              <a:t>7/16/2020</a:t>
             </a:fld>
             <a:endParaRPr lang="en-US"/>
           </a:p>
@@ -871,7 +871,7 @@
           <a:p>
             <a:fld id="{4AF7FC59-CE6B-4373-8AD1-CA18C966BC3A}" type="datetimeFigureOut">
               <a:rPr lang="en-US" smtClean="0"/>
-              <a:t>3/18/2020</a:t>
+              <a:t>7/16/2020</a:t>
             </a:fld>
             <a:endParaRPr lang="en-US"/>
           </a:p>
@@ -1147,7 +1147,7 @@
           <a:p>
             <a:fld id="{4AF7FC59-CE6B-4373-8AD1-CA18C966BC3A}" type="datetimeFigureOut">
               <a:rPr lang="en-US" smtClean="0"/>
-              <a:t>3/18/2020</a:t>
+              <a:t>7/16/2020</a:t>
             </a:fld>
             <a:endParaRPr lang="en-US"/>
           </a:p>
@@ -1415,7 +1415,7 @@
           <a:p>
             <a:fld id="{4AF7FC59-CE6B-4373-8AD1-CA18C966BC3A}" type="datetimeFigureOut">
               <a:rPr lang="en-US" smtClean="0"/>
-              <a:t>3/18/2020</a:t>
+              <a:t>7/16/2020</a:t>
             </a:fld>
             <a:endParaRPr lang="en-US"/>
           </a:p>
@@ -1830,7 +1830,7 @@
           <a:p>
             <a:fld id="{4AF7FC59-CE6B-4373-8AD1-CA18C966BC3A}" type="datetimeFigureOut">
               <a:rPr lang="en-US" smtClean="0"/>
-              <a:t>3/18/2020</a:t>
+              <a:t>7/16/2020</a:t>
             </a:fld>
             <a:endParaRPr lang="en-US"/>
           </a:p>
@@ -1972,7 +1972,7 @@
           <a:p>
             <a:fld id="{4AF7FC59-CE6B-4373-8AD1-CA18C966BC3A}" type="datetimeFigureOut">
               <a:rPr lang="en-US" smtClean="0"/>
-              <a:t>3/18/2020</a:t>
+              <a:t>7/16/2020</a:t>
             </a:fld>
             <a:endParaRPr lang="en-US"/>
           </a:p>
@@ -2085,7 +2085,7 @@
           <a:p>
             <a:fld id="{4AF7FC59-CE6B-4373-8AD1-CA18C966BC3A}" type="datetimeFigureOut">
               <a:rPr lang="en-US" smtClean="0"/>
-              <a:t>3/18/2020</a:t>
+              <a:t>7/16/2020</a:t>
             </a:fld>
             <a:endParaRPr lang="en-US"/>
           </a:p>
@@ -2398,7 +2398,7 @@
           <a:p>
             <a:fld id="{4AF7FC59-CE6B-4373-8AD1-CA18C966BC3A}" type="datetimeFigureOut">
               <a:rPr lang="en-US" smtClean="0"/>
-              <a:t>3/18/2020</a:t>
+              <a:t>7/16/2020</a:t>
             </a:fld>
             <a:endParaRPr lang="en-US"/>
           </a:p>
@@ -2687,7 +2687,7 @@
           <a:p>
             <a:fld id="{4AF7FC59-CE6B-4373-8AD1-CA18C966BC3A}" type="datetimeFigureOut">
               <a:rPr lang="en-US" smtClean="0"/>
-              <a:t>3/18/2020</a:t>
+              <a:t>7/16/2020</a:t>
             </a:fld>
             <a:endParaRPr lang="en-US"/>
           </a:p>
@@ -2930,7 +2930,7 @@
           <a:p>
             <a:fld id="{4AF7FC59-CE6B-4373-8AD1-CA18C966BC3A}" type="datetimeFigureOut">
               <a:rPr lang="en-US" smtClean="0"/>
-              <a:t>3/18/2020</a:t>
+              <a:t>7/16/2020</a:t>
             </a:fld>
             <a:endParaRPr lang="en-US"/>
           </a:p>
@@ -6174,64 +6174,6 @@
           </a:fontRef>
         </p:style>
       </p:cxnSp>
-      <p:sp>
-        <p:nvSpPr>
-          <p:cNvPr id="66" name="Rechteck: abgerundete Ecken 65">
-            <a:extLst>
-              <a:ext uri="{FF2B5EF4-FFF2-40B4-BE49-F238E27FC236}">
-                <a16:creationId xmlns:a16="http://schemas.microsoft.com/office/drawing/2014/main" id="{48271FF7-E270-48AC-94C2-D5FD98AC3255}"/>
-              </a:ext>
-            </a:extLst>
-          </p:cNvPr>
-          <p:cNvSpPr/>
-          <p:nvPr/>
-        </p:nvSpPr>
-        <p:spPr>
-          <a:xfrm>
-            <a:off x="7634334" y="1812569"/>
-            <a:ext cx="1497931" cy="489193"/>
-          </a:xfrm>
-          <a:prstGeom prst="roundRect">
-            <a:avLst/>
-          </a:prstGeom>
-          <a:solidFill>
-            <a:srgbClr val="0070C0"/>
-          </a:solidFill>
-          <a:ln>
-            <a:solidFill>
-              <a:schemeClr val="tx1"/>
-            </a:solidFill>
-          </a:ln>
-        </p:spPr>
-        <p:style>
-          <a:lnRef idx="2">
-            <a:schemeClr val="accent1">
-              <a:shade val="50000"/>
-            </a:schemeClr>
-          </a:lnRef>
-          <a:fillRef idx="1">
-            <a:schemeClr val="accent1"/>
-          </a:fillRef>
-          <a:effectRef idx="0">
-            <a:schemeClr val="accent1"/>
-          </a:effectRef>
-          <a:fontRef idx="minor">
-            <a:schemeClr val="lt1"/>
-          </a:fontRef>
-        </p:style>
-        <p:txBody>
-          <a:bodyPr rtlCol="0" anchor="ctr"/>
-          <a:lstStyle/>
-          <a:p>
-            <a:pPr algn="ctr"/>
-            <a:r>
-              <a:rPr lang="de-DE" dirty="0" err="1"/>
-              <a:t>Logspector</a:t>
-            </a:r>
-            <a:endParaRPr lang="en-US" dirty="0"/>
-          </a:p>
-        </p:txBody>
-      </p:sp>
       <p:cxnSp>
         <p:nvCxnSpPr>
           <p:cNvPr id="67" name="Gerade Verbindung mit Pfeil 66">
@@ -6276,6 +6218,169 @@
           </a:fontRef>
         </p:style>
       </p:cxnSp>
+      <p:pic>
+        <p:nvPicPr>
+          <p:cNvPr id="68" name="Grafik 67" descr="Ein Bild, das Zeichnung enthält.&#10;&#10;Automatisch generierte Beschreibung">
+            <a:extLst>
+              <a:ext uri="{FF2B5EF4-FFF2-40B4-BE49-F238E27FC236}">
+                <a16:creationId xmlns:a16="http://schemas.microsoft.com/office/drawing/2014/main" id="{B8F70C6C-1A44-4C3B-A1B3-479D9057089D}"/>
+              </a:ext>
+            </a:extLst>
+          </p:cNvPr>
+          <p:cNvPicPr>
+            <a:picLocks noChangeAspect="1"/>
+          </p:cNvPicPr>
+          <p:nvPr/>
+        </p:nvPicPr>
+        <p:blipFill rotWithShape="1">
+          <a:blip r:embed="rId8">
+            <a:extLst>
+              <a:ext uri="{28A0092B-C50C-407E-A947-70E740481C1C}">
+                <a14:useLocalDpi xmlns:a14="http://schemas.microsoft.com/office/drawing/2010/main" val="0"/>
+              </a:ext>
+            </a:extLst>
+          </a:blip>
+          <a:srcRect r="71853"/>
+          <a:stretch/>
+        </p:blipFill>
+        <p:spPr>
+          <a:xfrm>
+            <a:off x="7730304" y="1954417"/>
+            <a:ext cx="266496" cy="318751"/>
+          </a:xfrm>
+          <a:prstGeom prst="rect">
+            <a:avLst/>
+          </a:prstGeom>
+        </p:spPr>
+      </p:pic>
+      <p:grpSp>
+        <p:nvGrpSpPr>
+          <p:cNvPr id="71" name="Gruppieren 70">
+            <a:extLst>
+              <a:ext uri="{FF2B5EF4-FFF2-40B4-BE49-F238E27FC236}">
+                <a16:creationId xmlns:a16="http://schemas.microsoft.com/office/drawing/2014/main" id="{ACE66FCF-33D6-492F-A260-096AB6D3F2D6}"/>
+              </a:ext>
+            </a:extLst>
+          </p:cNvPr>
+          <p:cNvGrpSpPr/>
+          <p:nvPr/>
+        </p:nvGrpSpPr>
+        <p:grpSpPr>
+          <a:xfrm>
+            <a:off x="7686447" y="1824075"/>
+            <a:ext cx="1384239" cy="489192"/>
+            <a:chOff x="6146861" y="2715547"/>
+            <a:chExt cx="1384239" cy="489192"/>
+          </a:xfrm>
+        </p:grpSpPr>
+        <p:pic>
+          <p:nvPicPr>
+            <p:cNvPr id="75" name="Grafik 74" descr="Ein Bild, das Schild, Uhr enthält.&#10;&#10;Automatisch generierte Beschreibung">
+              <a:extLst>
+                <a:ext uri="{FF2B5EF4-FFF2-40B4-BE49-F238E27FC236}">
+                  <a16:creationId xmlns:a16="http://schemas.microsoft.com/office/drawing/2014/main" id="{68EE47C9-41F5-42BF-AACF-EE89BE0384AA}"/>
+                </a:ext>
+              </a:extLst>
+            </p:cNvPr>
+            <p:cNvPicPr>
+              <a:picLocks noChangeAspect="1"/>
+            </p:cNvPicPr>
+            <p:nvPr/>
+          </p:nvPicPr>
+          <p:blipFill>
+            <a:blip r:embed="rId4">
+              <a:extLst>
+                <a:ext uri="{28A0092B-C50C-407E-A947-70E740481C1C}">
+                  <a14:useLocalDpi xmlns:a14="http://schemas.microsoft.com/office/drawing/2010/main" val="0"/>
+                </a:ext>
+              </a:extLst>
+            </a:blip>
+            <a:stretch>
+              <a:fillRect/>
+            </a:stretch>
+          </p:blipFill>
+          <p:spPr>
+            <a:xfrm>
+              <a:off x="7308791" y="3041495"/>
+              <a:ext cx="172375" cy="123617"/>
+            </a:xfrm>
+            <a:prstGeom prst="rect">
+              <a:avLst/>
+            </a:prstGeom>
+          </p:spPr>
+        </p:pic>
+        <p:sp>
+          <p:nvSpPr>
+            <p:cNvPr id="76" name="Rechteck: abgerundete Ecken 75">
+              <a:extLst>
+                <a:ext uri="{FF2B5EF4-FFF2-40B4-BE49-F238E27FC236}">
+                  <a16:creationId xmlns:a16="http://schemas.microsoft.com/office/drawing/2014/main" id="{C3DA5F65-72C6-4C4D-832F-1B8077F4634B}"/>
+                </a:ext>
+              </a:extLst>
+            </p:cNvPr>
+            <p:cNvSpPr/>
+            <p:nvPr/>
+          </p:nvSpPr>
+          <p:spPr>
+            <a:xfrm>
+              <a:off x="6146861" y="2715547"/>
+              <a:ext cx="1384239" cy="489192"/>
+            </a:xfrm>
+            <a:prstGeom prst="roundRect">
+              <a:avLst>
+                <a:gd name="adj" fmla="val 6712"/>
+              </a:avLst>
+            </a:prstGeom>
+            <a:noFill/>
+            <a:ln>
+              <a:solidFill>
+                <a:schemeClr val="tx1"/>
+              </a:solidFill>
+            </a:ln>
+          </p:spPr>
+          <p:style>
+            <a:lnRef idx="2">
+              <a:schemeClr val="accent1">
+                <a:shade val="50000"/>
+              </a:schemeClr>
+            </a:lnRef>
+            <a:fillRef idx="1">
+              <a:schemeClr val="accent1"/>
+            </a:fillRef>
+            <a:effectRef idx="0">
+              <a:schemeClr val="accent1"/>
+            </a:effectRef>
+            <a:fontRef idx="minor">
+              <a:schemeClr val="lt1"/>
+            </a:fontRef>
+          </p:style>
+          <p:txBody>
+            <a:bodyPr rot="0" spcFirstLastPara="0" vertOverflow="overflow" horzOverflow="overflow" vert="horz" wrap="square" lIns="91440" tIns="45720" rIns="91440" bIns="45720" numCol="1" spcCol="0" rtlCol="0" fromWordArt="0" anchor="t" anchorCtr="0" forceAA="0" compatLnSpc="1">
+              <a:prstTxWarp prst="textNoShape">
+                <a:avLst/>
+              </a:prstTxWarp>
+              <a:noAutofit/>
+            </a:bodyPr>
+            <a:lstStyle/>
+            <a:p>
+              <a:pPr algn="r"/>
+              <a:r>
+                <a:rPr lang="de-DE" sz="1400" dirty="0" err="1">
+                  <a:solidFill>
+                    <a:schemeClr val="tx1"/>
+                  </a:solidFill>
+                </a:rPr>
+                <a:t>Kibana</a:t>
+              </a:r>
+              <a:endParaRPr lang="en-US" sz="1400" dirty="0">
+                <a:solidFill>
+                  <a:schemeClr val="tx1"/>
+                </a:solidFill>
+              </a:endParaRPr>
+            </a:p>
+          </p:txBody>
+        </p:sp>
+      </p:grpSp>
     </p:spTree>
     <p:extLst>
       <p:ext uri="{BB962C8B-B14F-4D97-AF65-F5344CB8AC3E}">

--- a/imgs/overview.pptx
+++ b/imgs/overview.pptx
@@ -261,7 +261,7 @@
           <a:p>
             <a:fld id="{4AF7FC59-CE6B-4373-8AD1-CA18C966BC3A}" type="datetimeFigureOut">
               <a:rPr lang="en-US" smtClean="0"/>
-              <a:t>7/16/2020</a:t>
+              <a:t>2/4/2021</a:t>
             </a:fld>
             <a:endParaRPr lang="en-US"/>
           </a:p>
@@ -461,7 +461,7 @@
           <a:p>
             <a:fld id="{4AF7FC59-CE6B-4373-8AD1-CA18C966BC3A}" type="datetimeFigureOut">
               <a:rPr lang="en-US" smtClean="0"/>
-              <a:t>7/16/2020</a:t>
+              <a:t>2/4/2021</a:t>
             </a:fld>
             <a:endParaRPr lang="en-US"/>
           </a:p>
@@ -671,7 +671,7 @@
           <a:p>
             <a:fld id="{4AF7FC59-CE6B-4373-8AD1-CA18C966BC3A}" type="datetimeFigureOut">
               <a:rPr lang="en-US" smtClean="0"/>
-              <a:t>7/16/2020</a:t>
+              <a:t>2/4/2021</a:t>
             </a:fld>
             <a:endParaRPr lang="en-US"/>
           </a:p>
@@ -871,7 +871,7 @@
           <a:p>
             <a:fld id="{4AF7FC59-CE6B-4373-8AD1-CA18C966BC3A}" type="datetimeFigureOut">
               <a:rPr lang="en-US" smtClean="0"/>
-              <a:t>7/16/2020</a:t>
+              <a:t>2/4/2021</a:t>
             </a:fld>
             <a:endParaRPr lang="en-US"/>
           </a:p>
@@ -1147,7 +1147,7 @@
           <a:p>
             <a:fld id="{4AF7FC59-CE6B-4373-8AD1-CA18C966BC3A}" type="datetimeFigureOut">
               <a:rPr lang="en-US" smtClean="0"/>
-              <a:t>7/16/2020</a:t>
+              <a:t>2/4/2021</a:t>
             </a:fld>
             <a:endParaRPr lang="en-US"/>
           </a:p>
@@ -1415,7 +1415,7 @@
           <a:p>
             <a:fld id="{4AF7FC59-CE6B-4373-8AD1-CA18C966BC3A}" type="datetimeFigureOut">
               <a:rPr lang="en-US" smtClean="0"/>
-              <a:t>7/16/2020</a:t>
+              <a:t>2/4/2021</a:t>
             </a:fld>
             <a:endParaRPr lang="en-US"/>
           </a:p>
@@ -1830,7 +1830,7 @@
           <a:p>
             <a:fld id="{4AF7FC59-CE6B-4373-8AD1-CA18C966BC3A}" type="datetimeFigureOut">
               <a:rPr lang="en-US" smtClean="0"/>
-              <a:t>7/16/2020</a:t>
+              <a:t>2/4/2021</a:t>
             </a:fld>
             <a:endParaRPr lang="en-US"/>
           </a:p>
@@ -1972,7 +1972,7 @@
           <a:p>
             <a:fld id="{4AF7FC59-CE6B-4373-8AD1-CA18C966BC3A}" type="datetimeFigureOut">
               <a:rPr lang="en-US" smtClean="0"/>
-              <a:t>7/16/2020</a:t>
+              <a:t>2/4/2021</a:t>
             </a:fld>
             <a:endParaRPr lang="en-US"/>
           </a:p>
@@ -2085,7 +2085,7 @@
           <a:p>
             <a:fld id="{4AF7FC59-CE6B-4373-8AD1-CA18C966BC3A}" type="datetimeFigureOut">
               <a:rPr lang="en-US" smtClean="0"/>
-              <a:t>7/16/2020</a:t>
+              <a:t>2/4/2021</a:t>
             </a:fld>
             <a:endParaRPr lang="en-US"/>
           </a:p>
@@ -2398,7 +2398,7 @@
           <a:p>
             <a:fld id="{4AF7FC59-CE6B-4373-8AD1-CA18C966BC3A}" type="datetimeFigureOut">
               <a:rPr lang="en-US" smtClean="0"/>
-              <a:t>7/16/2020</a:t>
+              <a:t>2/4/2021</a:t>
             </a:fld>
             <a:endParaRPr lang="en-US"/>
           </a:p>
@@ -2687,7 +2687,7 @@
           <a:p>
             <a:fld id="{4AF7FC59-CE6B-4373-8AD1-CA18C966BC3A}" type="datetimeFigureOut">
               <a:rPr lang="en-US" smtClean="0"/>
-              <a:t>7/16/2020</a:t>
+              <a:t>2/4/2021</a:t>
             </a:fld>
             <a:endParaRPr lang="en-US"/>
           </a:p>
@@ -2930,7 +2930,7 @@
           <a:p>
             <a:fld id="{4AF7FC59-CE6B-4373-8AD1-CA18C966BC3A}" type="datetimeFigureOut">
               <a:rPr lang="en-US" smtClean="0"/>
-              <a:t>7/16/2020</a:t>
+              <a:t>2/4/2021</a:t>
             </a:fld>
             <a:endParaRPr lang="en-US"/>
           </a:p>
@@ -4678,7 +4678,7 @@
             </a:fontRef>
           </p:style>
           <p:txBody>
-            <a:bodyPr rot="0" spcFirstLastPara="0" vertOverflow="overflow" horzOverflow="overflow" vert="horz" wrap="square" lIns="91440" tIns="45720" rIns="91440" bIns="45720" numCol="1" spcCol="0" rtlCol="0" fromWordArt="0" anchor="t" anchorCtr="0" forceAA="0" compatLnSpc="1">
+            <a:bodyPr rot="0" spcFirstLastPara="0" vertOverflow="overflow" horzOverflow="overflow" vert="horz" wrap="square" lIns="324000" tIns="45720" rIns="0" bIns="45720" numCol="1" spcCol="0" rtlCol="0" fromWordArt="0" anchor="t" anchorCtr="0" forceAA="0" compatLnSpc="1">
               <a:prstTxWarp prst="textNoShape">
                 <a:avLst/>
               </a:prstTxWarp>
@@ -4686,7 +4686,6 @@
             </a:bodyPr>
             <a:lstStyle/>
             <a:p>
-              <a:pPr algn="r"/>
               <a:r>
                 <a:rPr lang="de-DE" sz="1400" dirty="0" err="1">
                   <a:solidFill>
@@ -4695,7 +4694,22 @@
                 </a:rPr>
                 <a:t>Filebeat</a:t>
               </a:r>
-              <a:endParaRPr lang="en-US" sz="1400" dirty="0">
+              <a:endParaRPr lang="de-DE" sz="1400" dirty="0">
+                <a:solidFill>
+                  <a:schemeClr val="tx1"/>
+                </a:solidFill>
+              </a:endParaRPr>
+            </a:p>
+            <a:p>
+              <a:r>
+                <a:rPr lang="de-DE" sz="1050" dirty="0">
+                  <a:solidFill>
+                    <a:schemeClr val="tx1"/>
+                  </a:solidFill>
+                </a:rPr>
+                <a:t>per GW</a:t>
+              </a:r>
+              <a:endParaRPr lang="en-US" sz="1050" dirty="0">
                 <a:solidFill>
                   <a:schemeClr val="tx1"/>
                 </a:solidFill>
@@ -4885,7 +4899,7 @@
             </a:fontRef>
           </p:style>
           <p:txBody>
-            <a:bodyPr rot="0" spcFirstLastPara="0" vertOverflow="overflow" horzOverflow="overflow" vert="horz" wrap="square" lIns="91440" tIns="45720" rIns="91440" bIns="45720" numCol="1" spcCol="0" rtlCol="0" fromWordArt="0" anchor="t" anchorCtr="0" forceAA="0" compatLnSpc="1">
+            <a:bodyPr rot="0" spcFirstLastPara="0" vertOverflow="overflow" horzOverflow="overflow" vert="horz" wrap="square" lIns="324000" tIns="45720" rIns="0" bIns="45720" numCol="1" spcCol="0" rtlCol="0" fromWordArt="0" anchor="t" anchorCtr="0" forceAA="0" compatLnSpc="1">
               <a:prstTxWarp prst="textNoShape">
                 <a:avLst/>
               </a:prstTxWarp>
@@ -4893,7 +4907,6 @@
             </a:bodyPr>
             <a:lstStyle/>
             <a:p>
-              <a:pPr algn="r"/>
               <a:r>
                 <a:rPr lang="de-DE" sz="1400" dirty="0" err="1">
                   <a:solidFill>
@@ -4902,7 +4915,22 @@
                 </a:rPr>
                 <a:t>Filebeat</a:t>
               </a:r>
-              <a:endParaRPr lang="en-US" sz="1400" dirty="0">
+              <a:endParaRPr lang="de-DE" sz="1400" dirty="0">
+                <a:solidFill>
+                  <a:schemeClr val="tx1"/>
+                </a:solidFill>
+              </a:endParaRPr>
+            </a:p>
+            <a:p>
+              <a:r>
+                <a:rPr lang="de-DE" sz="1050" dirty="0">
+                  <a:solidFill>
+                    <a:schemeClr val="tx1"/>
+                  </a:solidFill>
+                </a:rPr>
+                <a:t>per GW</a:t>
+              </a:r>
+              <a:endParaRPr lang="en-US" sz="1050" dirty="0">
                 <a:solidFill>
                   <a:schemeClr val="tx1"/>
                 </a:solidFill>
@@ -5092,7 +5120,7 @@
             </a:fontRef>
           </p:style>
           <p:txBody>
-            <a:bodyPr rot="0" spcFirstLastPara="0" vertOverflow="overflow" horzOverflow="overflow" vert="horz" wrap="square" lIns="91440" tIns="45720" rIns="91440" bIns="45720" numCol="1" spcCol="0" rtlCol="0" fromWordArt="0" anchor="t" anchorCtr="0" forceAA="0" compatLnSpc="1">
+            <a:bodyPr rot="0" spcFirstLastPara="0" vertOverflow="overflow" horzOverflow="overflow" vert="horz" wrap="square" lIns="324000" tIns="45720" rIns="0" bIns="45720" numCol="1" spcCol="0" rtlCol="0" fromWordArt="0" anchor="t" anchorCtr="0" forceAA="0" compatLnSpc="1">
               <a:prstTxWarp prst="textNoShape">
                 <a:avLst/>
               </a:prstTxWarp>
@@ -5100,7 +5128,6 @@
             </a:bodyPr>
             <a:lstStyle/>
             <a:p>
-              <a:pPr algn="r"/>
               <a:r>
                 <a:rPr lang="de-DE" sz="1400" dirty="0" err="1">
                   <a:solidFill>
@@ -5109,11 +5136,21 @@
                 </a:rPr>
                 <a:t>Filebeat</a:t>
               </a:r>
-              <a:endParaRPr lang="en-US" sz="1400" dirty="0">
+              <a:endParaRPr lang="de-DE" sz="1400" dirty="0">
                 <a:solidFill>
                   <a:schemeClr val="tx1"/>
                 </a:solidFill>
               </a:endParaRPr>
+            </a:p>
+            <a:p>
+              <a:r>
+                <a:rPr lang="de-DE" sz="1050" dirty="0">
+                  <a:solidFill>
+                    <a:schemeClr val="tx1"/>
+                  </a:solidFill>
+                </a:rPr>
+                <a:t>per GW</a:t>
+              </a:r>
             </a:p>
           </p:txBody>
         </p:sp>
@@ -5280,7 +5317,7 @@
           </a:fontRef>
         </p:style>
         <p:txBody>
-          <a:bodyPr rot="0" spcFirstLastPara="0" vertOverflow="overflow" horzOverflow="overflow" vert="horz" wrap="square" lIns="91440" tIns="45720" rIns="91440" bIns="45720" numCol="1" spcCol="0" rtlCol="0" fromWordArt="0" anchor="t" anchorCtr="0" forceAA="0" compatLnSpc="1">
+          <a:bodyPr rot="0" spcFirstLastPara="0" vertOverflow="overflow" horzOverflow="overflow" vert="horz" wrap="square" lIns="324000" tIns="45720" rIns="36000" bIns="45720" numCol="1" spcCol="0" rtlCol="0" fromWordArt="0" anchor="t" anchorCtr="0" forceAA="0" compatLnSpc="1">
             <a:prstTxWarp prst="textNoShape">
               <a:avLst/>
             </a:prstTxWarp>
@@ -5288,7 +5325,6 @@
           </a:bodyPr>
           <a:lstStyle/>
           <a:p>
-            <a:pPr algn="r"/>
             <a:r>
               <a:rPr lang="de-DE" sz="1400" dirty="0" err="1">
                 <a:solidFill>
@@ -5297,7 +5333,22 @@
               </a:rPr>
               <a:t>Logstash</a:t>
             </a:r>
-            <a:endParaRPr lang="en-US" sz="1400" dirty="0">
+            <a:endParaRPr lang="de-DE" sz="1400" dirty="0">
+              <a:solidFill>
+                <a:schemeClr val="tx1"/>
+              </a:solidFill>
+            </a:endParaRPr>
+          </a:p>
+          <a:p>
+            <a:r>
+              <a:rPr lang="de-DE" sz="1050" dirty="0">
+                <a:solidFill>
+                  <a:schemeClr val="tx1"/>
+                </a:solidFill>
+              </a:rPr>
+              <a:t>Multiple</a:t>
+            </a:r>
+            <a:endParaRPr lang="en-US" sz="1000" dirty="0">
               <a:solidFill>
                 <a:schemeClr val="tx1"/>
               </a:solidFill>
@@ -5542,7 +5593,7 @@
             </a:fontRef>
           </p:style>
           <p:txBody>
-            <a:bodyPr rot="0" spcFirstLastPara="0" vertOverflow="overflow" horzOverflow="overflow" vert="horz" wrap="square" lIns="91440" tIns="45720" rIns="91440" bIns="45720" numCol="1" spcCol="0" rtlCol="0" fromWordArt="0" anchor="t" anchorCtr="0" forceAA="0" compatLnSpc="1">
+            <a:bodyPr rot="0" spcFirstLastPara="0" vertOverflow="overflow" horzOverflow="overflow" vert="horz" wrap="square" lIns="360000" tIns="45720" rIns="0" bIns="45720" numCol="1" spcCol="0" rtlCol="0" fromWordArt="0" anchor="t" anchorCtr="0" forceAA="0" compatLnSpc="1">
               <a:prstTxWarp prst="textNoShape">
                 <a:avLst/>
               </a:prstTxWarp>
@@ -5550,7 +5601,6 @@
             </a:bodyPr>
             <a:lstStyle/>
             <a:p>
-              <a:pPr algn="r"/>
               <a:r>
                 <a:rPr lang="de-DE" sz="1400" dirty="0">
                   <a:solidFill>
@@ -5559,7 +5609,17 @@
                 </a:rPr>
                 <a:t>Elasticsearch</a:t>
               </a:r>
-              <a:endParaRPr lang="en-US" sz="1400" dirty="0">
+            </a:p>
+            <a:p>
+              <a:r>
+                <a:rPr lang="de-DE" sz="1050" dirty="0">
+                  <a:solidFill>
+                    <a:schemeClr val="tx1"/>
+                  </a:solidFill>
+                </a:rPr>
+                <a:t>Multiple</a:t>
+              </a:r>
+              <a:endParaRPr lang="en-US" sz="1050" dirty="0">
                 <a:solidFill>
                   <a:schemeClr val="tx1"/>
                 </a:solidFill>
@@ -5795,7 +5855,7 @@
           </a:fontRef>
         </p:style>
         <p:txBody>
-          <a:bodyPr rot="0" spcFirstLastPara="0" vertOverflow="overflow" horzOverflow="overflow" vert="horz" wrap="square" lIns="91440" tIns="45720" rIns="91440" bIns="45720" numCol="1" spcCol="0" rtlCol="0" fromWordArt="0" anchor="t" anchorCtr="0" forceAA="0" compatLnSpc="1">
+          <a:bodyPr rot="0" spcFirstLastPara="0" vertOverflow="overflow" horzOverflow="overflow" vert="horz" wrap="square" lIns="432000" tIns="45720" rIns="0" bIns="45720" numCol="1" spcCol="0" rtlCol="0" fromWordArt="0" anchor="t" anchorCtr="0" forceAA="0" compatLnSpc="1">
             <a:prstTxWarp prst="textNoShape">
               <a:avLst/>
             </a:prstTxWarp>
@@ -5803,7 +5863,6 @@
           </a:bodyPr>
           <a:lstStyle/>
           <a:p>
-            <a:pPr algn="r"/>
             <a:r>
               <a:rPr lang="de-DE" sz="1400" dirty="0">
                 <a:solidFill>
@@ -5812,7 +5871,17 @@
               </a:rPr>
               <a:t>API-Builder</a:t>
             </a:r>
-            <a:endParaRPr lang="en-US" sz="1400" dirty="0">
+          </a:p>
+          <a:p>
+            <a:r>
+              <a:rPr lang="de-DE" sz="1050" dirty="0">
+                <a:solidFill>
+                  <a:schemeClr val="tx1"/>
+                </a:solidFill>
+              </a:rPr>
+              <a:t>Multiple</a:t>
+            </a:r>
+            <a:endParaRPr lang="en-US" sz="1050" dirty="0">
               <a:solidFill>
                 <a:schemeClr val="tx1"/>
               </a:solidFill>
@@ -6355,7 +6424,7 @@
             </a:fontRef>
           </p:style>
           <p:txBody>
-            <a:bodyPr rot="0" spcFirstLastPara="0" vertOverflow="overflow" horzOverflow="overflow" vert="horz" wrap="square" lIns="91440" tIns="45720" rIns="91440" bIns="45720" numCol="1" spcCol="0" rtlCol="0" fromWordArt="0" anchor="t" anchorCtr="0" forceAA="0" compatLnSpc="1">
+            <a:bodyPr rot="0" spcFirstLastPara="0" vertOverflow="overflow" horzOverflow="overflow" vert="horz" wrap="square" lIns="324000" tIns="45720" rIns="0" bIns="45720" numCol="1" spcCol="0" rtlCol="0" fromWordArt="0" anchor="t" anchorCtr="0" forceAA="0" compatLnSpc="1">
               <a:prstTxWarp prst="textNoShape">
                 <a:avLst/>
               </a:prstTxWarp>
@@ -6363,7 +6432,6 @@
             </a:bodyPr>
             <a:lstStyle/>
             <a:p>
-              <a:pPr algn="r"/>
               <a:r>
                 <a:rPr lang="de-DE" sz="1400" dirty="0" err="1">
                   <a:solidFill>
@@ -6372,7 +6440,22 @@
                 </a:rPr>
                 <a:t>Kibana</a:t>
               </a:r>
-              <a:endParaRPr lang="en-US" sz="1400" dirty="0">
+              <a:endParaRPr lang="de-DE" sz="1400" dirty="0">
+                <a:solidFill>
+                  <a:schemeClr val="tx1"/>
+                </a:solidFill>
+              </a:endParaRPr>
+            </a:p>
+            <a:p>
+              <a:r>
+                <a:rPr lang="de-DE" sz="1050" dirty="0">
+                  <a:solidFill>
+                    <a:schemeClr val="tx1"/>
+                  </a:solidFill>
+                </a:rPr>
+                <a:t>Dashboards</a:t>
+              </a:r>
+              <a:endParaRPr lang="en-US" sz="1050" dirty="0">
                 <a:solidFill>
                   <a:schemeClr val="tx1"/>
                 </a:solidFill>
@@ -6381,6 +6464,410 @@
           </p:txBody>
         </p:sp>
       </p:grpSp>
+      <p:cxnSp>
+        <p:nvCxnSpPr>
+          <p:cNvPr id="77" name="Gerade Verbindung mit Pfeil 76">
+            <a:extLst>
+              <a:ext uri="{FF2B5EF4-FFF2-40B4-BE49-F238E27FC236}">
+                <a16:creationId xmlns:a16="http://schemas.microsoft.com/office/drawing/2014/main" id="{02F725CB-4D3E-4714-AFB3-717150C83202}"/>
+              </a:ext>
+            </a:extLst>
+          </p:cNvPr>
+          <p:cNvCxnSpPr>
+            <a:cxnSpLocks/>
+          </p:cNvCxnSpPr>
+          <p:nvPr/>
+        </p:nvCxnSpPr>
+        <p:spPr>
+          <a:xfrm>
+            <a:off x="6689558" y="3248526"/>
+            <a:ext cx="956510" cy="535406"/>
+          </a:xfrm>
+          <a:prstGeom prst="straightConnector1">
+            <a:avLst/>
+          </a:prstGeom>
+          <a:ln w="25400">
+            <a:solidFill>
+              <a:schemeClr val="tx1"/>
+            </a:solidFill>
+            <a:tailEnd type="triangle" w="med" len="med"/>
+          </a:ln>
+        </p:spPr>
+        <p:style>
+          <a:lnRef idx="1">
+            <a:schemeClr val="accent1"/>
+          </a:lnRef>
+          <a:fillRef idx="0">
+            <a:schemeClr val="accent1"/>
+          </a:fillRef>
+          <a:effectRef idx="0">
+            <a:schemeClr val="accent1"/>
+          </a:effectRef>
+          <a:fontRef idx="minor">
+            <a:schemeClr val="tx1"/>
+          </a:fontRef>
+        </p:style>
+      </p:cxnSp>
+      <p:sp>
+        <p:nvSpPr>
+          <p:cNvPr id="82" name="Textfeld 81">
+            <a:extLst>
+              <a:ext uri="{FF2B5EF4-FFF2-40B4-BE49-F238E27FC236}">
+                <a16:creationId xmlns:a16="http://schemas.microsoft.com/office/drawing/2014/main" id="{C8EED6E6-9261-420F-BF22-CD8B86C5C9F3}"/>
+              </a:ext>
+            </a:extLst>
+          </p:cNvPr>
+          <p:cNvSpPr txBox="1"/>
+          <p:nvPr/>
+        </p:nvSpPr>
+        <p:spPr>
+          <a:xfrm rot="1723187">
+            <a:off x="6670800" y="3450176"/>
+            <a:ext cx="801662" cy="261610"/>
+          </a:xfrm>
+          <a:prstGeom prst="rect">
+            <a:avLst/>
+          </a:prstGeom>
+          <a:noFill/>
+        </p:spPr>
+        <p:txBody>
+          <a:bodyPr wrap="square">
+            <a:spAutoFit/>
+          </a:bodyPr>
+          <a:lstStyle/>
+          <a:p>
+            <a:pPr algn="ctr"/>
+            <a:r>
+              <a:rPr lang="de-DE" sz="1100" dirty="0"/>
+              <a:t>Lookup</a:t>
+            </a:r>
+          </a:p>
+        </p:txBody>
+      </p:sp>
+      <p:sp>
+        <p:nvSpPr>
+          <p:cNvPr id="84" name="Rechteck: abgerundete Ecken 83">
+            <a:extLst>
+              <a:ext uri="{FF2B5EF4-FFF2-40B4-BE49-F238E27FC236}">
+                <a16:creationId xmlns:a16="http://schemas.microsoft.com/office/drawing/2014/main" id="{FBA54AE2-3AF5-445A-B2A1-81E82AE8C099}"/>
+              </a:ext>
+            </a:extLst>
+          </p:cNvPr>
+          <p:cNvSpPr/>
+          <p:nvPr/>
+        </p:nvSpPr>
+        <p:spPr>
+          <a:xfrm>
+            <a:off x="9602116" y="3543977"/>
+            <a:ext cx="1497931" cy="489192"/>
+          </a:xfrm>
+          <a:prstGeom prst="roundRect">
+            <a:avLst/>
+          </a:prstGeom>
+          <a:solidFill>
+            <a:srgbClr val="C00000"/>
+          </a:solidFill>
+          <a:ln>
+            <a:solidFill>
+              <a:schemeClr val="tx1"/>
+            </a:solidFill>
+          </a:ln>
+        </p:spPr>
+        <p:style>
+          <a:lnRef idx="2">
+            <a:schemeClr val="accent1">
+              <a:shade val="50000"/>
+            </a:schemeClr>
+          </a:lnRef>
+          <a:fillRef idx="1">
+            <a:schemeClr val="accent1"/>
+          </a:fillRef>
+          <a:effectRef idx="0">
+            <a:schemeClr val="accent1"/>
+          </a:effectRef>
+          <a:fontRef idx="minor">
+            <a:schemeClr val="lt1"/>
+          </a:fontRef>
+        </p:style>
+        <p:txBody>
+          <a:bodyPr rtlCol="0" anchor="ctr"/>
+          <a:lstStyle/>
+          <a:p>
+            <a:pPr algn="ctr"/>
+            <a:r>
+              <a:rPr lang="de-DE" dirty="0"/>
+              <a:t>API-Manager</a:t>
+            </a:r>
+            <a:endParaRPr lang="en-US" dirty="0"/>
+          </a:p>
+        </p:txBody>
+      </p:sp>
+      <p:cxnSp>
+        <p:nvCxnSpPr>
+          <p:cNvPr id="85" name="Gerade Verbindung mit Pfeil 84">
+            <a:extLst>
+              <a:ext uri="{FF2B5EF4-FFF2-40B4-BE49-F238E27FC236}">
+                <a16:creationId xmlns:a16="http://schemas.microsoft.com/office/drawing/2014/main" id="{A0AE75EE-E2F1-49B6-9296-9326B13C25E4}"/>
+              </a:ext>
+            </a:extLst>
+          </p:cNvPr>
+          <p:cNvCxnSpPr>
+            <a:cxnSpLocks/>
+          </p:cNvCxnSpPr>
+          <p:nvPr/>
+        </p:nvCxnSpPr>
+        <p:spPr>
+          <a:xfrm>
+            <a:off x="9109075" y="3788573"/>
+            <a:ext cx="460375" cy="0"/>
+          </a:xfrm>
+          <a:prstGeom prst="straightConnector1">
+            <a:avLst/>
+          </a:prstGeom>
+          <a:ln w="25400">
+            <a:solidFill>
+              <a:schemeClr val="tx1"/>
+            </a:solidFill>
+            <a:tailEnd type="triangle" w="med" len="med"/>
+          </a:ln>
+        </p:spPr>
+        <p:style>
+          <a:lnRef idx="1">
+            <a:schemeClr val="accent1"/>
+          </a:lnRef>
+          <a:fillRef idx="0">
+            <a:schemeClr val="accent1"/>
+          </a:fillRef>
+          <a:effectRef idx="0">
+            <a:schemeClr val="accent1"/>
+          </a:effectRef>
+          <a:fontRef idx="minor">
+            <a:schemeClr val="tx1"/>
+          </a:fontRef>
+        </p:style>
+      </p:cxnSp>
+      <p:grpSp>
+        <p:nvGrpSpPr>
+          <p:cNvPr id="43" name="Gruppieren 42">
+            <a:extLst>
+              <a:ext uri="{FF2B5EF4-FFF2-40B4-BE49-F238E27FC236}">
+                <a16:creationId xmlns:a16="http://schemas.microsoft.com/office/drawing/2014/main" id="{42C0F8C0-1575-422E-8F65-760C338BE18E}"/>
+              </a:ext>
+            </a:extLst>
+          </p:cNvPr>
+          <p:cNvGrpSpPr/>
+          <p:nvPr/>
+        </p:nvGrpSpPr>
+        <p:grpSpPr>
+          <a:xfrm>
+            <a:off x="6151774" y="1919509"/>
+            <a:ext cx="1019175" cy="489192"/>
+            <a:chOff x="3045256" y="4657870"/>
+            <a:chExt cx="1019175" cy="489192"/>
+          </a:xfrm>
+        </p:grpSpPr>
+        <p:pic>
+          <p:nvPicPr>
+            <p:cNvPr id="42" name="Grafik 41">
+              <a:extLst>
+                <a:ext uri="{FF2B5EF4-FFF2-40B4-BE49-F238E27FC236}">
+                  <a16:creationId xmlns:a16="http://schemas.microsoft.com/office/drawing/2014/main" id="{13EB96C3-5524-402D-A2B1-58DE410415FD}"/>
+                </a:ext>
+              </a:extLst>
+            </p:cNvPr>
+            <p:cNvPicPr>
+              <a:picLocks noChangeAspect="1"/>
+            </p:cNvPicPr>
+            <p:nvPr/>
+          </p:nvPicPr>
+          <p:blipFill rotWithShape="1">
+            <a:blip r:embed="rId9">
+              <a:extLst>
+                <a:ext uri="{28A0092B-C50C-407E-A947-70E740481C1C}">
+                  <a14:useLocalDpi xmlns:a14="http://schemas.microsoft.com/office/drawing/2010/main" val="0"/>
+                </a:ext>
+              </a:extLst>
+            </a:blip>
+            <a:srcRect l="27624" t="16112" r="27624" b="16296"/>
+            <a:stretch/>
+          </p:blipFill>
+          <p:spPr>
+            <a:xfrm>
+              <a:off x="3087784" y="4933356"/>
+              <a:ext cx="172256" cy="173451"/>
+            </a:xfrm>
+            <a:prstGeom prst="rect">
+              <a:avLst/>
+            </a:prstGeom>
+          </p:spPr>
+        </p:pic>
+        <p:sp>
+          <p:nvSpPr>
+            <p:cNvPr id="92" name="Rechteck: abgerundete Ecken 91">
+              <a:extLst>
+                <a:ext uri="{FF2B5EF4-FFF2-40B4-BE49-F238E27FC236}">
+                  <a16:creationId xmlns:a16="http://schemas.microsoft.com/office/drawing/2014/main" id="{DFA626AE-6A05-4E96-A168-B7F80D481A19}"/>
+                </a:ext>
+              </a:extLst>
+            </p:cNvPr>
+            <p:cNvSpPr/>
+            <p:nvPr/>
+          </p:nvSpPr>
+          <p:spPr>
+            <a:xfrm>
+              <a:off x="3045256" y="4657870"/>
+              <a:ext cx="1019175" cy="489192"/>
+            </a:xfrm>
+            <a:prstGeom prst="roundRect">
+              <a:avLst>
+                <a:gd name="adj" fmla="val 6712"/>
+              </a:avLst>
+            </a:prstGeom>
+            <a:noFill/>
+            <a:ln>
+              <a:solidFill>
+                <a:schemeClr val="tx1"/>
+              </a:solidFill>
+            </a:ln>
+          </p:spPr>
+          <p:style>
+            <a:lnRef idx="2">
+              <a:schemeClr val="accent1">
+                <a:shade val="50000"/>
+              </a:schemeClr>
+            </a:lnRef>
+            <a:fillRef idx="1">
+              <a:schemeClr val="accent1"/>
+            </a:fillRef>
+            <a:effectRef idx="0">
+              <a:schemeClr val="accent1"/>
+            </a:effectRef>
+            <a:fontRef idx="minor">
+              <a:schemeClr val="lt1"/>
+            </a:fontRef>
+          </p:style>
+          <p:txBody>
+            <a:bodyPr rot="0" spcFirstLastPara="0" vertOverflow="overflow" horzOverflow="overflow" vert="horz" wrap="square" lIns="36000" tIns="45720" rIns="36000" bIns="45720" numCol="1" spcCol="0" rtlCol="0" fromWordArt="0" anchor="t" anchorCtr="0" forceAA="0" compatLnSpc="1">
+              <a:prstTxWarp prst="textNoShape">
+                <a:avLst/>
+              </a:prstTxWarp>
+              <a:noAutofit/>
+            </a:bodyPr>
+            <a:lstStyle/>
+            <a:p>
+              <a:r>
+                <a:rPr lang="de-DE" sz="1400" dirty="0" err="1">
+                  <a:solidFill>
+                    <a:schemeClr val="tx1"/>
+                  </a:solidFill>
+                </a:rPr>
+                <a:t>Memcached</a:t>
+              </a:r>
+              <a:endParaRPr lang="de-DE" sz="1400" dirty="0">
+                <a:solidFill>
+                  <a:schemeClr val="tx1"/>
+                </a:solidFill>
+              </a:endParaRPr>
+            </a:p>
+            <a:p>
+              <a:r>
+                <a:rPr lang="de-DE" sz="1100" dirty="0">
+                  <a:solidFill>
+                    <a:schemeClr val="tx1"/>
+                  </a:solidFill>
+                </a:rPr>
+                <a:t>       Multiple</a:t>
+              </a:r>
+              <a:endParaRPr lang="en-US" sz="1050" dirty="0">
+                <a:solidFill>
+                  <a:schemeClr val="tx1"/>
+                </a:solidFill>
+              </a:endParaRPr>
+            </a:p>
+          </p:txBody>
+        </p:sp>
+        <p:pic>
+          <p:nvPicPr>
+            <p:cNvPr id="93" name="Grafik 92" descr="Ein Bild, das Schild, Uhr enthält.&#10;&#10;Automatisch generierte Beschreibung">
+              <a:extLst>
+                <a:ext uri="{FF2B5EF4-FFF2-40B4-BE49-F238E27FC236}">
+                  <a16:creationId xmlns:a16="http://schemas.microsoft.com/office/drawing/2014/main" id="{F01B1CD4-8605-4786-B554-073BC0C72C61}"/>
+                </a:ext>
+              </a:extLst>
+            </p:cNvPr>
+            <p:cNvPicPr>
+              <a:picLocks noChangeAspect="1"/>
+            </p:cNvPicPr>
+            <p:nvPr/>
+          </p:nvPicPr>
+          <p:blipFill>
+            <a:blip r:embed="rId4">
+              <a:extLst>
+                <a:ext uri="{28A0092B-C50C-407E-A947-70E740481C1C}">
+                  <a14:useLocalDpi xmlns:a14="http://schemas.microsoft.com/office/drawing/2010/main" val="0"/>
+                </a:ext>
+              </a:extLst>
+            </a:blip>
+            <a:stretch>
+              <a:fillRect/>
+            </a:stretch>
+          </p:blipFill>
+          <p:spPr>
+            <a:xfrm>
+              <a:off x="3870639" y="4996536"/>
+              <a:ext cx="172375" cy="123617"/>
+            </a:xfrm>
+            <a:prstGeom prst="rect">
+              <a:avLst/>
+            </a:prstGeom>
+          </p:spPr>
+        </p:pic>
+      </p:grpSp>
+      <p:cxnSp>
+        <p:nvCxnSpPr>
+          <p:cNvPr id="94" name="Gerade Verbindung mit Pfeil 93">
+            <a:extLst>
+              <a:ext uri="{FF2B5EF4-FFF2-40B4-BE49-F238E27FC236}">
+                <a16:creationId xmlns:a16="http://schemas.microsoft.com/office/drawing/2014/main" id="{46A196F2-01BE-4CD5-909B-D11D755E6D96}"/>
+              </a:ext>
+            </a:extLst>
+          </p:cNvPr>
+          <p:cNvCxnSpPr>
+            <a:cxnSpLocks/>
+          </p:cNvCxnSpPr>
+          <p:nvPr/>
+        </p:nvCxnSpPr>
+        <p:spPr>
+          <a:xfrm flipV="1">
+            <a:off x="6661362" y="2443163"/>
+            <a:ext cx="0" cy="235744"/>
+          </a:xfrm>
+          <a:prstGeom prst="straightConnector1">
+            <a:avLst/>
+          </a:prstGeom>
+          <a:ln w="25400">
+            <a:solidFill>
+              <a:schemeClr val="tx1"/>
+            </a:solidFill>
+            <a:headEnd type="triangle"/>
+            <a:tailEnd type="triangle" w="med" len="med"/>
+          </a:ln>
+        </p:spPr>
+        <p:style>
+          <a:lnRef idx="1">
+            <a:schemeClr val="accent1"/>
+          </a:lnRef>
+          <a:fillRef idx="0">
+            <a:schemeClr val="accent1"/>
+          </a:fillRef>
+          <a:effectRef idx="0">
+            <a:schemeClr val="accent1"/>
+          </a:effectRef>
+          <a:fontRef idx="minor">
+            <a:schemeClr val="tx1"/>
+          </a:fontRef>
+        </p:style>
+      </p:cxnSp>
     </p:spTree>
     <p:extLst>
       <p:ext uri="{BB962C8B-B14F-4D97-AF65-F5344CB8AC3E}">

--- a/imgs/overview.pptx
+++ b/imgs/overview.pptx
@@ -6,6 +6,7 @@
   </p:sldMasterIdLst>
   <p:sldIdLst>
     <p:sldId id="256" r:id="rId2"/>
+    <p:sldId id="257" r:id="rId3"/>
   </p:sldIdLst>
   <p:sldSz cx="12192000" cy="6858000"/>
   <p:notesSz cx="6858000" cy="9144000"/>
@@ -261,7 +262,7 @@
           <a:p>
             <a:fld id="{4AF7FC59-CE6B-4373-8AD1-CA18C966BC3A}" type="datetimeFigureOut">
               <a:rPr lang="en-US" smtClean="0"/>
-              <a:t>2/4/2021</a:t>
+              <a:t>5/4/2021</a:t>
             </a:fld>
             <a:endParaRPr lang="en-US"/>
           </a:p>
@@ -461,7 +462,7 @@
           <a:p>
             <a:fld id="{4AF7FC59-CE6B-4373-8AD1-CA18C966BC3A}" type="datetimeFigureOut">
               <a:rPr lang="en-US" smtClean="0"/>
-              <a:t>2/4/2021</a:t>
+              <a:t>5/4/2021</a:t>
             </a:fld>
             <a:endParaRPr lang="en-US"/>
           </a:p>
@@ -671,7 +672,7 @@
           <a:p>
             <a:fld id="{4AF7FC59-CE6B-4373-8AD1-CA18C966BC3A}" type="datetimeFigureOut">
               <a:rPr lang="en-US" smtClean="0"/>
-              <a:t>2/4/2021</a:t>
+              <a:t>5/4/2021</a:t>
             </a:fld>
             <a:endParaRPr lang="en-US"/>
           </a:p>
@@ -871,7 +872,7 @@
           <a:p>
             <a:fld id="{4AF7FC59-CE6B-4373-8AD1-CA18C966BC3A}" type="datetimeFigureOut">
               <a:rPr lang="en-US" smtClean="0"/>
-              <a:t>2/4/2021</a:t>
+              <a:t>5/4/2021</a:t>
             </a:fld>
             <a:endParaRPr lang="en-US"/>
           </a:p>
@@ -1147,7 +1148,7 @@
           <a:p>
             <a:fld id="{4AF7FC59-CE6B-4373-8AD1-CA18C966BC3A}" type="datetimeFigureOut">
               <a:rPr lang="en-US" smtClean="0"/>
-              <a:t>2/4/2021</a:t>
+              <a:t>5/4/2021</a:t>
             </a:fld>
             <a:endParaRPr lang="en-US"/>
           </a:p>
@@ -1415,7 +1416,7 @@
           <a:p>
             <a:fld id="{4AF7FC59-CE6B-4373-8AD1-CA18C966BC3A}" type="datetimeFigureOut">
               <a:rPr lang="en-US" smtClean="0"/>
-              <a:t>2/4/2021</a:t>
+              <a:t>5/4/2021</a:t>
             </a:fld>
             <a:endParaRPr lang="en-US"/>
           </a:p>
@@ -1830,7 +1831,7 @@
           <a:p>
             <a:fld id="{4AF7FC59-CE6B-4373-8AD1-CA18C966BC3A}" type="datetimeFigureOut">
               <a:rPr lang="en-US" smtClean="0"/>
-              <a:t>2/4/2021</a:t>
+              <a:t>5/4/2021</a:t>
             </a:fld>
             <a:endParaRPr lang="en-US"/>
           </a:p>
@@ -1972,7 +1973,7 @@
           <a:p>
             <a:fld id="{4AF7FC59-CE6B-4373-8AD1-CA18C966BC3A}" type="datetimeFigureOut">
               <a:rPr lang="en-US" smtClean="0"/>
-              <a:t>2/4/2021</a:t>
+              <a:t>5/4/2021</a:t>
             </a:fld>
             <a:endParaRPr lang="en-US"/>
           </a:p>
@@ -2085,7 +2086,7 @@
           <a:p>
             <a:fld id="{4AF7FC59-CE6B-4373-8AD1-CA18C966BC3A}" type="datetimeFigureOut">
               <a:rPr lang="en-US" smtClean="0"/>
-              <a:t>2/4/2021</a:t>
+              <a:t>5/4/2021</a:t>
             </a:fld>
             <a:endParaRPr lang="en-US"/>
           </a:p>
@@ -2398,7 +2399,7 @@
           <a:p>
             <a:fld id="{4AF7FC59-CE6B-4373-8AD1-CA18C966BC3A}" type="datetimeFigureOut">
               <a:rPr lang="en-US" smtClean="0"/>
-              <a:t>2/4/2021</a:t>
+              <a:t>5/4/2021</a:t>
             </a:fld>
             <a:endParaRPr lang="en-US"/>
           </a:p>
@@ -2687,7 +2688,7 @@
           <a:p>
             <a:fld id="{4AF7FC59-CE6B-4373-8AD1-CA18C966BC3A}" type="datetimeFigureOut">
               <a:rPr lang="en-US" smtClean="0"/>
-              <a:t>2/4/2021</a:t>
+              <a:t>5/4/2021</a:t>
             </a:fld>
             <a:endParaRPr lang="en-US"/>
           </a:p>
@@ -2930,7 +2931,7 @@
           <a:p>
             <a:fld id="{4AF7FC59-CE6B-4373-8AD1-CA18C966BC3A}" type="datetimeFigureOut">
               <a:rPr lang="en-US" smtClean="0"/>
-              <a:t>2/4/2021</a:t>
+              <a:t>5/4/2021</a:t>
             </a:fld>
             <a:endParaRPr lang="en-US"/>
           </a:p>
@@ -6881,6 +6882,1160 @@
 </p:sld>
 </file>
 
+<file path=ppt/slides/slide2.xml><?xml version="1.0" encoding="utf-8"?>
+<p:sld xmlns:a="http://schemas.openxmlformats.org/drawingml/2006/main" xmlns:r="http://schemas.openxmlformats.org/officeDocument/2006/relationships" xmlns:p="http://schemas.openxmlformats.org/presentationml/2006/main">
+  <p:cSld>
+    <p:spTree>
+      <p:nvGrpSpPr>
+        <p:cNvPr id="1" name=""/>
+        <p:cNvGrpSpPr/>
+        <p:nvPr/>
+      </p:nvGrpSpPr>
+      <p:grpSpPr>
+        <a:xfrm>
+          <a:off x="0" y="0"/>
+          <a:ext cx="0" cy="0"/>
+          <a:chOff x="0" y="0"/>
+          <a:chExt cx="0" cy="0"/>
+        </a:xfrm>
+      </p:grpSpPr>
+      <p:pic>
+        <p:nvPicPr>
+          <p:cNvPr id="3" name="Grafik 2">
+            <a:extLst>
+              <a:ext uri="{FF2B5EF4-FFF2-40B4-BE49-F238E27FC236}">
+                <a16:creationId xmlns:a16="http://schemas.microsoft.com/office/drawing/2014/main" id="{632A873A-DDF6-47C1-BE98-FBFDA5016205}"/>
+              </a:ext>
+            </a:extLst>
+          </p:cNvPr>
+          <p:cNvPicPr>
+            <a:picLocks noChangeAspect="1"/>
+          </p:cNvPicPr>
+          <p:nvPr/>
+        </p:nvPicPr>
+        <p:blipFill rotWithShape="1">
+          <a:blip r:embed="rId2">
+            <a:extLst>
+              <a:ext uri="{28A0092B-C50C-407E-A947-70E740481C1C}">
+                <a14:useLocalDpi xmlns:a14="http://schemas.microsoft.com/office/drawing/2010/main" val="0"/>
+              </a:ext>
+            </a:extLst>
+          </a:blip>
+          <a:srcRect l="2714" t="5888" r="54803" b="5691"/>
+          <a:stretch/>
+        </p:blipFill>
+        <p:spPr>
+          <a:xfrm>
+            <a:off x="5292469" y="712228"/>
+            <a:ext cx="803531" cy="836195"/>
+          </a:xfrm>
+          <a:prstGeom prst="rect">
+            <a:avLst/>
+          </a:prstGeom>
+        </p:spPr>
+      </p:pic>
+      <p:sp>
+        <p:nvSpPr>
+          <p:cNvPr id="5" name="Textfeld 4">
+            <a:extLst>
+              <a:ext uri="{FF2B5EF4-FFF2-40B4-BE49-F238E27FC236}">
+                <a16:creationId xmlns:a16="http://schemas.microsoft.com/office/drawing/2014/main" id="{941AD5AD-E819-4100-A793-197470146225}"/>
+              </a:ext>
+            </a:extLst>
+          </p:cNvPr>
+          <p:cNvSpPr txBox="1"/>
+          <p:nvPr/>
+        </p:nvSpPr>
+        <p:spPr>
+          <a:xfrm>
+            <a:off x="681790" y="2518407"/>
+            <a:ext cx="3288632" cy="1569660"/>
+          </a:xfrm>
+          <a:prstGeom prst="rect">
+            <a:avLst/>
+          </a:prstGeom>
+          <a:noFill/>
+        </p:spPr>
+        <p:txBody>
+          <a:bodyPr wrap="square" rtlCol="0">
+            <a:spAutoFit/>
+          </a:bodyPr>
+          <a:lstStyle/>
+          <a:p>
+            <a:r>
+              <a:rPr lang="de-DE" sz="800" dirty="0" err="1">
+                <a:latin typeface="Courier New" panose="02070309020205020404" pitchFamily="49" charset="0"/>
+                <a:cs typeface="Courier New" panose="02070309020205020404" pitchFamily="49" charset="0"/>
+              </a:rPr>
+              <a:t>axway</a:t>
+            </a:r>
+            <a:r>
+              <a:rPr lang="de-DE" sz="800" dirty="0">
+                <a:latin typeface="Courier New" panose="02070309020205020404" pitchFamily="49" charset="0"/>
+                <a:cs typeface="Courier New" panose="02070309020205020404" pitchFamily="49" charset="0"/>
+              </a:rPr>
+              <a:t>-</a:t>
+            </a:r>
+            <a:r>
+              <a:rPr lang="de-DE" sz="800" dirty="0" err="1">
+                <a:latin typeface="Courier New" panose="02070309020205020404" pitchFamily="49" charset="0"/>
+                <a:cs typeface="Courier New" panose="02070309020205020404" pitchFamily="49" charset="0"/>
+              </a:rPr>
+              <a:t>elk</a:t>
+            </a:r>
+            <a:r>
+              <a:rPr lang="de-DE" sz="800" dirty="0">
+                <a:latin typeface="Courier New" panose="02070309020205020404" pitchFamily="49" charset="0"/>
+                <a:cs typeface="Courier New" panose="02070309020205020404" pitchFamily="49" charset="0"/>
+              </a:rPr>
+              <a:t>-setup</a:t>
+            </a:r>
+          </a:p>
+          <a:p>
+            <a:r>
+              <a:rPr lang="de-DE" sz="800" dirty="0">
+                <a:latin typeface="Courier New" panose="02070309020205020404" pitchFamily="49" charset="0"/>
+                <a:cs typeface="Courier New" panose="02070309020205020404" pitchFamily="49" charset="0"/>
+              </a:rPr>
+              <a:t>│   .</a:t>
+            </a:r>
+            <a:r>
+              <a:rPr lang="de-DE" sz="800" dirty="0" err="1">
+                <a:latin typeface="Courier New" panose="02070309020205020404" pitchFamily="49" charset="0"/>
+                <a:cs typeface="Courier New" panose="02070309020205020404" pitchFamily="49" charset="0"/>
+              </a:rPr>
+              <a:t>helmignore</a:t>
+            </a:r>
+            <a:endParaRPr lang="de-DE" sz="800" dirty="0">
+              <a:latin typeface="Courier New" panose="02070309020205020404" pitchFamily="49" charset="0"/>
+              <a:cs typeface="Courier New" panose="02070309020205020404" pitchFamily="49" charset="0"/>
+            </a:endParaRPr>
+          </a:p>
+          <a:p>
+            <a:r>
+              <a:rPr lang="de-DE" sz="800" dirty="0">
+                <a:latin typeface="Courier New" panose="02070309020205020404" pitchFamily="49" charset="0"/>
+                <a:cs typeface="Courier New" panose="02070309020205020404" pitchFamily="49" charset="0"/>
+              </a:rPr>
+              <a:t>│   </a:t>
+            </a:r>
+            <a:r>
+              <a:rPr lang="de-DE" sz="800" dirty="0" err="1">
+                <a:latin typeface="Courier New" panose="02070309020205020404" pitchFamily="49" charset="0"/>
+                <a:cs typeface="Courier New" panose="02070309020205020404" pitchFamily="49" charset="0"/>
+              </a:rPr>
+              <a:t>Chart.yaml</a:t>
+            </a:r>
+            <a:endParaRPr lang="de-DE" sz="800" dirty="0">
+              <a:latin typeface="Courier New" panose="02070309020205020404" pitchFamily="49" charset="0"/>
+              <a:cs typeface="Courier New" panose="02070309020205020404" pitchFamily="49" charset="0"/>
+            </a:endParaRPr>
+          </a:p>
+          <a:p>
+            <a:r>
+              <a:rPr lang="de-DE" sz="800" dirty="0">
+                <a:latin typeface="Courier New" panose="02070309020205020404" pitchFamily="49" charset="0"/>
+                <a:cs typeface="Courier New" panose="02070309020205020404" pitchFamily="49" charset="0"/>
+              </a:rPr>
+              <a:t>│   </a:t>
+            </a:r>
+            <a:r>
+              <a:rPr lang="de-DE" sz="800" dirty="0" err="1">
+                <a:latin typeface="Courier New" panose="02070309020205020404" pitchFamily="49" charset="0"/>
+                <a:cs typeface="Courier New" panose="02070309020205020404" pitchFamily="49" charset="0"/>
+              </a:rPr>
+              <a:t>values.yaml</a:t>
+            </a:r>
+            <a:endParaRPr lang="de-DE" sz="800" dirty="0">
+              <a:latin typeface="Courier New" panose="02070309020205020404" pitchFamily="49" charset="0"/>
+              <a:cs typeface="Courier New" panose="02070309020205020404" pitchFamily="49" charset="0"/>
+            </a:endParaRPr>
+          </a:p>
+          <a:p>
+            <a:r>
+              <a:rPr lang="de-DE" sz="800" dirty="0">
+                <a:latin typeface="Courier New" panose="02070309020205020404" pitchFamily="49" charset="0"/>
+                <a:cs typeface="Courier New" panose="02070309020205020404" pitchFamily="49" charset="0"/>
+              </a:rPr>
+              <a:t>│</a:t>
+            </a:r>
+          </a:p>
+          <a:p>
+            <a:r>
+              <a:rPr lang="de-DE" sz="800" dirty="0">
+                <a:latin typeface="Courier New" panose="02070309020205020404" pitchFamily="49" charset="0"/>
+                <a:cs typeface="Courier New" panose="02070309020205020404" pitchFamily="49" charset="0"/>
+              </a:rPr>
+              <a:t>├───</a:t>
+            </a:r>
+            <a:r>
+              <a:rPr lang="de-DE" sz="800" dirty="0" err="1">
+                <a:latin typeface="Courier New" panose="02070309020205020404" pitchFamily="49" charset="0"/>
+                <a:cs typeface="Courier New" panose="02070309020205020404" pitchFamily="49" charset="0"/>
+              </a:rPr>
+              <a:t>charts</a:t>
+            </a:r>
+            <a:endParaRPr lang="de-DE" sz="800" dirty="0">
+              <a:latin typeface="Courier New" panose="02070309020205020404" pitchFamily="49" charset="0"/>
+              <a:cs typeface="Courier New" panose="02070309020205020404" pitchFamily="49" charset="0"/>
+            </a:endParaRPr>
+          </a:p>
+          <a:p>
+            <a:r>
+              <a:rPr lang="de-DE" sz="800" dirty="0">
+                <a:latin typeface="Courier New" panose="02070309020205020404" pitchFamily="49" charset="0"/>
+                <a:cs typeface="Courier New" panose="02070309020205020404" pitchFamily="49" charset="0"/>
+              </a:rPr>
+              <a:t>└───</a:t>
+            </a:r>
+            <a:r>
+              <a:rPr lang="de-DE" sz="800" dirty="0" err="1">
+                <a:latin typeface="Courier New" panose="02070309020205020404" pitchFamily="49" charset="0"/>
+                <a:cs typeface="Courier New" panose="02070309020205020404" pitchFamily="49" charset="0"/>
+              </a:rPr>
+              <a:t>templates</a:t>
+            </a:r>
+            <a:endParaRPr lang="de-DE" sz="800" dirty="0">
+              <a:latin typeface="Courier New" panose="02070309020205020404" pitchFamily="49" charset="0"/>
+              <a:cs typeface="Courier New" panose="02070309020205020404" pitchFamily="49" charset="0"/>
+            </a:endParaRPr>
+          </a:p>
+          <a:p>
+            <a:r>
+              <a:rPr lang="de-DE" sz="800" dirty="0">
+                <a:latin typeface="Courier New" panose="02070309020205020404" pitchFamily="49" charset="0"/>
+                <a:cs typeface="Courier New" panose="02070309020205020404" pitchFamily="49" charset="0"/>
+              </a:rPr>
+              <a:t>        </a:t>
+            </a:r>
+            <a:r>
+              <a:rPr lang="de-DE" sz="800" dirty="0" err="1">
+                <a:latin typeface="Courier New" panose="02070309020205020404" pitchFamily="49" charset="0"/>
+                <a:cs typeface="Courier New" panose="02070309020205020404" pitchFamily="49" charset="0"/>
+              </a:rPr>
+              <a:t>api-builder-config-files.yaml</a:t>
+            </a:r>
+            <a:endParaRPr lang="de-DE" sz="800" dirty="0">
+              <a:latin typeface="Courier New" panose="02070309020205020404" pitchFamily="49" charset="0"/>
+              <a:cs typeface="Courier New" panose="02070309020205020404" pitchFamily="49" charset="0"/>
+            </a:endParaRPr>
+          </a:p>
+          <a:p>
+            <a:r>
+              <a:rPr lang="de-DE" sz="800" dirty="0">
+                <a:latin typeface="Courier New" panose="02070309020205020404" pitchFamily="49" charset="0"/>
+                <a:cs typeface="Courier New" panose="02070309020205020404" pitchFamily="49" charset="0"/>
+              </a:rPr>
+              <a:t>        </a:t>
+            </a:r>
+            <a:r>
+              <a:rPr lang="de-DE" sz="800" dirty="0" err="1">
+                <a:latin typeface="Courier New" panose="02070309020205020404" pitchFamily="49" charset="0"/>
+                <a:cs typeface="Courier New" panose="02070309020205020404" pitchFamily="49" charset="0"/>
+              </a:rPr>
+              <a:t>api-builder-secret.yaml</a:t>
+            </a:r>
+            <a:endParaRPr lang="de-DE" sz="800" dirty="0">
+              <a:latin typeface="Courier New" panose="02070309020205020404" pitchFamily="49" charset="0"/>
+              <a:cs typeface="Courier New" panose="02070309020205020404" pitchFamily="49" charset="0"/>
+            </a:endParaRPr>
+          </a:p>
+          <a:p>
+            <a:r>
+              <a:rPr lang="de-DE" sz="800" dirty="0">
+                <a:latin typeface="Courier New" panose="02070309020205020404" pitchFamily="49" charset="0"/>
+                <a:cs typeface="Courier New" panose="02070309020205020404" pitchFamily="49" charset="0"/>
+              </a:rPr>
+              <a:t>        </a:t>
+            </a:r>
+            <a:r>
+              <a:rPr lang="de-DE" sz="800" dirty="0" err="1">
+                <a:latin typeface="Courier New" panose="02070309020205020404" pitchFamily="49" charset="0"/>
+                <a:cs typeface="Courier New" panose="02070309020205020404" pitchFamily="49" charset="0"/>
+              </a:rPr>
+              <a:t>elasticsearch-certificate.yaml</a:t>
+            </a:r>
+            <a:endParaRPr lang="de-DE" sz="800" dirty="0">
+              <a:latin typeface="Courier New" panose="02070309020205020404" pitchFamily="49" charset="0"/>
+              <a:cs typeface="Courier New" panose="02070309020205020404" pitchFamily="49" charset="0"/>
+            </a:endParaRPr>
+          </a:p>
+          <a:p>
+            <a:r>
+              <a:rPr lang="de-DE" sz="800" dirty="0">
+                <a:latin typeface="Courier New" panose="02070309020205020404" pitchFamily="49" charset="0"/>
+                <a:cs typeface="Courier New" panose="02070309020205020404" pitchFamily="49" charset="0"/>
+              </a:rPr>
+              <a:t>        pv-</a:t>
+            </a:r>
+            <a:r>
+              <a:rPr lang="de-DE" sz="800" dirty="0" err="1">
+                <a:latin typeface="Courier New" panose="02070309020205020404" pitchFamily="49" charset="0"/>
+                <a:cs typeface="Courier New" panose="02070309020205020404" pitchFamily="49" charset="0"/>
+              </a:rPr>
+              <a:t>volumes.yaml</a:t>
+            </a:r>
+            <a:endParaRPr lang="de-DE" sz="800" dirty="0">
+              <a:latin typeface="Courier New" panose="02070309020205020404" pitchFamily="49" charset="0"/>
+              <a:cs typeface="Courier New" panose="02070309020205020404" pitchFamily="49" charset="0"/>
+            </a:endParaRPr>
+          </a:p>
+          <a:p>
+            <a:r>
+              <a:rPr lang="de-DE" sz="800" dirty="0">
+                <a:latin typeface="Courier New" panose="02070309020205020404" pitchFamily="49" charset="0"/>
+                <a:cs typeface="Courier New" panose="02070309020205020404" pitchFamily="49" charset="0"/>
+              </a:rPr>
+              <a:t>        _</a:t>
+            </a:r>
+            <a:r>
+              <a:rPr lang="de-DE" sz="800" dirty="0" err="1">
+                <a:latin typeface="Courier New" panose="02070309020205020404" pitchFamily="49" charset="0"/>
+                <a:cs typeface="Courier New" panose="02070309020205020404" pitchFamily="49" charset="0"/>
+              </a:rPr>
+              <a:t>helpers.tpl</a:t>
+            </a:r>
+            <a:endParaRPr lang="en-US" sz="800" dirty="0">
+              <a:latin typeface="Courier New" panose="02070309020205020404" pitchFamily="49" charset="0"/>
+              <a:cs typeface="Courier New" panose="02070309020205020404" pitchFamily="49" charset="0"/>
+            </a:endParaRPr>
+          </a:p>
+        </p:txBody>
+      </p:sp>
+      <p:sp>
+        <p:nvSpPr>
+          <p:cNvPr id="6" name="Textfeld 5">
+            <a:extLst>
+              <a:ext uri="{FF2B5EF4-FFF2-40B4-BE49-F238E27FC236}">
+                <a16:creationId xmlns:a16="http://schemas.microsoft.com/office/drawing/2014/main" id="{866D4FB7-3107-40AF-A777-5AF53C54C5B8}"/>
+              </a:ext>
+            </a:extLst>
+          </p:cNvPr>
+          <p:cNvSpPr txBox="1"/>
+          <p:nvPr/>
+        </p:nvSpPr>
+        <p:spPr>
+          <a:xfrm>
+            <a:off x="510758" y="1548424"/>
+            <a:ext cx="2893595" cy="892552"/>
+          </a:xfrm>
+          <a:prstGeom prst="rect">
+            <a:avLst/>
+          </a:prstGeom>
+          <a:noFill/>
+        </p:spPr>
+        <p:txBody>
+          <a:bodyPr wrap="square" rtlCol="0">
+            <a:spAutoFit/>
+          </a:bodyPr>
+          <a:lstStyle/>
+          <a:p>
+            <a:pPr algn="ctr"/>
+            <a:r>
+              <a:rPr lang="de-DE" dirty="0"/>
+              <a:t>Create and </a:t>
+            </a:r>
+            <a:r>
+              <a:rPr lang="de-DE" dirty="0" err="1"/>
+              <a:t>Install</a:t>
+            </a:r>
+            <a:r>
+              <a:rPr lang="de-DE" dirty="0"/>
+              <a:t> a </a:t>
+            </a:r>
+          </a:p>
+          <a:p>
+            <a:pPr algn="ctr"/>
+            <a:r>
+              <a:rPr lang="de-DE" dirty="0"/>
+              <a:t>Custom Setup Helm-Chart</a:t>
+            </a:r>
+          </a:p>
+          <a:p>
+            <a:pPr algn="ctr"/>
+            <a:r>
+              <a:rPr lang="de-DE" sz="1600" dirty="0"/>
+              <a:t>Managing </a:t>
+            </a:r>
+            <a:r>
+              <a:rPr lang="de-DE" sz="1600" dirty="0" err="1"/>
+              <a:t>custom</a:t>
+            </a:r>
+            <a:r>
+              <a:rPr lang="de-DE" sz="1600" dirty="0"/>
+              <a:t> </a:t>
+            </a:r>
+            <a:r>
+              <a:rPr lang="de-DE" sz="1600" dirty="0" err="1"/>
+              <a:t>resources</a:t>
+            </a:r>
+            <a:endParaRPr lang="en-US" sz="1600" dirty="0"/>
+          </a:p>
+        </p:txBody>
+      </p:sp>
+      <p:sp>
+        <p:nvSpPr>
+          <p:cNvPr id="8" name="Textfeld 7">
+            <a:extLst>
+              <a:ext uri="{FF2B5EF4-FFF2-40B4-BE49-F238E27FC236}">
+                <a16:creationId xmlns:a16="http://schemas.microsoft.com/office/drawing/2014/main" id="{822A45D3-8DD2-449B-9808-DDA6535CBB87}"/>
+              </a:ext>
+            </a:extLst>
+          </p:cNvPr>
+          <p:cNvSpPr txBox="1"/>
+          <p:nvPr/>
+        </p:nvSpPr>
+        <p:spPr>
+          <a:xfrm>
+            <a:off x="4371327" y="1548424"/>
+            <a:ext cx="2893595" cy="615553"/>
+          </a:xfrm>
+          <a:prstGeom prst="rect">
+            <a:avLst/>
+          </a:prstGeom>
+          <a:noFill/>
+        </p:spPr>
+        <p:txBody>
+          <a:bodyPr wrap="square" rtlCol="0">
+            <a:spAutoFit/>
+          </a:bodyPr>
+          <a:lstStyle/>
+          <a:p>
+            <a:pPr algn="ctr"/>
+            <a:r>
+              <a:rPr lang="de-DE" dirty="0"/>
+              <a:t>Setup </a:t>
+            </a:r>
+            <a:r>
+              <a:rPr lang="de-DE" dirty="0" err="1"/>
+              <a:t>your</a:t>
+            </a:r>
+            <a:r>
+              <a:rPr lang="de-DE" dirty="0"/>
+              <a:t> </a:t>
+            </a:r>
+            <a:r>
+              <a:rPr lang="de-DE" dirty="0" err="1"/>
+              <a:t>myvalues.yaml</a:t>
+            </a:r>
+            <a:r>
+              <a:rPr lang="de-DE" dirty="0"/>
+              <a:t> </a:t>
+            </a:r>
+            <a:r>
+              <a:rPr lang="de-DE" sz="1600" dirty="0" err="1"/>
+              <a:t>based</a:t>
+            </a:r>
+            <a:r>
+              <a:rPr lang="de-DE" sz="1600" dirty="0"/>
+              <a:t> on </a:t>
+            </a:r>
+            <a:r>
+              <a:rPr lang="de-DE" sz="1600" dirty="0" err="1"/>
+              <a:t>the</a:t>
+            </a:r>
+            <a:r>
+              <a:rPr lang="de-DE" sz="1600" dirty="0"/>
+              <a:t> </a:t>
+            </a:r>
+            <a:r>
+              <a:rPr lang="de-DE" sz="1600" dirty="0" err="1"/>
+              <a:t>values.yaml</a:t>
+            </a:r>
+            <a:endParaRPr lang="en-US" sz="1600" dirty="0"/>
+          </a:p>
+        </p:txBody>
+      </p:sp>
+      <p:sp>
+        <p:nvSpPr>
+          <p:cNvPr id="10" name="Textfeld 9">
+            <a:extLst>
+              <a:ext uri="{FF2B5EF4-FFF2-40B4-BE49-F238E27FC236}">
+                <a16:creationId xmlns:a16="http://schemas.microsoft.com/office/drawing/2014/main" id="{0D324F4B-EB49-4A32-99B6-B8BDF98EED13}"/>
+              </a:ext>
+            </a:extLst>
+          </p:cNvPr>
+          <p:cNvSpPr txBox="1"/>
+          <p:nvPr/>
+        </p:nvSpPr>
+        <p:spPr>
+          <a:xfrm>
+            <a:off x="4107992" y="2518407"/>
+            <a:ext cx="4163719" cy="2923877"/>
+          </a:xfrm>
+          <a:prstGeom prst="rect">
+            <a:avLst/>
+          </a:prstGeom>
+          <a:noFill/>
+        </p:spPr>
+        <p:txBody>
+          <a:bodyPr wrap="square" rtlCol="0">
+            <a:spAutoFit/>
+          </a:bodyPr>
+          <a:lstStyle>
+            <a:defPPr>
+              <a:defRPr lang="en-US"/>
+            </a:defPPr>
+            <a:lvl1pPr>
+              <a:defRPr sz="1050">
+                <a:latin typeface="Courier New" panose="02070309020205020404" pitchFamily="49" charset="0"/>
+                <a:cs typeface="Courier New" panose="02070309020205020404" pitchFamily="49" charset="0"/>
+              </a:defRPr>
+            </a:lvl1pPr>
+          </a:lstStyle>
+          <a:p>
+            <a:r>
+              <a:rPr lang="en-US" sz="800" dirty="0" err="1"/>
+              <a:t>elasticsearch</a:t>
+            </a:r>
+            <a:r>
+              <a:rPr lang="en-US" sz="800" dirty="0"/>
+              <a:t>:</a:t>
+            </a:r>
+          </a:p>
+          <a:p>
+            <a:r>
+              <a:rPr lang="en-US" sz="800" dirty="0"/>
+              <a:t>  resources:</a:t>
+            </a:r>
+          </a:p>
+          <a:p>
+            <a:r>
+              <a:rPr lang="en-US" sz="800" dirty="0"/>
+              <a:t>    requests:</a:t>
+            </a:r>
+          </a:p>
+          <a:p>
+            <a:r>
+              <a:rPr lang="en-US" sz="800" dirty="0"/>
+              <a:t>      </a:t>
+            </a:r>
+            <a:r>
+              <a:rPr lang="en-US" sz="800" dirty="0" err="1"/>
+              <a:t>cpu</a:t>
+            </a:r>
+            <a:r>
+              <a:rPr lang="en-US" sz="800" dirty="0"/>
+              <a:t>: "500m"</a:t>
+            </a:r>
+          </a:p>
+          <a:p>
+            <a:r>
+              <a:rPr lang="en-US" sz="800" dirty="0"/>
+              <a:t>    limits:</a:t>
+            </a:r>
+          </a:p>
+          <a:p>
+            <a:r>
+              <a:rPr lang="en-US" sz="800" dirty="0"/>
+              <a:t>      </a:t>
+            </a:r>
+            <a:r>
+              <a:rPr lang="en-US" sz="800" dirty="0" err="1"/>
+              <a:t>cpu</a:t>
+            </a:r>
+            <a:r>
+              <a:rPr lang="en-US" sz="800" dirty="0"/>
+              <a:t>: "500m"</a:t>
+            </a:r>
+          </a:p>
+          <a:p>
+            <a:r>
+              <a:rPr lang="en-US" sz="800" dirty="0"/>
+              <a:t>  </a:t>
+            </a:r>
+            <a:r>
+              <a:rPr lang="en-US" sz="800" dirty="0" err="1"/>
+              <a:t>volumeClaimTemplate</a:t>
+            </a:r>
+            <a:r>
+              <a:rPr lang="en-US" sz="800" dirty="0"/>
+              <a:t>:</a:t>
+            </a:r>
+          </a:p>
+          <a:p>
+            <a:r>
+              <a:rPr lang="en-US" sz="800" dirty="0"/>
+              <a:t>    </a:t>
+            </a:r>
+            <a:r>
+              <a:rPr lang="en-US" sz="800" dirty="0" err="1"/>
+              <a:t>accessModes</a:t>
+            </a:r>
+            <a:r>
+              <a:rPr lang="en-US" sz="800" dirty="0"/>
+              <a:t>: [ "</a:t>
+            </a:r>
+            <a:r>
+              <a:rPr lang="en-US" sz="800" dirty="0" err="1"/>
+              <a:t>ReadWriteOnce</a:t>
+            </a:r>
+            <a:r>
+              <a:rPr lang="en-US" sz="800" dirty="0"/>
+              <a:t>" ]</a:t>
+            </a:r>
+          </a:p>
+          <a:p>
+            <a:r>
+              <a:rPr lang="en-US" sz="800" dirty="0"/>
+              <a:t>    resources:</a:t>
+            </a:r>
+          </a:p>
+          <a:p>
+            <a:r>
+              <a:rPr lang="en-US" sz="800" dirty="0"/>
+              <a:t>      requests:</a:t>
+            </a:r>
+          </a:p>
+          <a:p>
+            <a:r>
+              <a:rPr lang="en-US" sz="800" dirty="0"/>
+              <a:t>        storage: 1Gi</a:t>
+            </a:r>
+          </a:p>
+          <a:p>
+            <a:r>
+              <a:rPr lang="en-US" sz="800" dirty="0" err="1"/>
+              <a:t>logstash</a:t>
+            </a:r>
+            <a:r>
+              <a:rPr lang="en-US" sz="800" dirty="0"/>
+              <a:t>:</a:t>
+            </a:r>
+          </a:p>
+          <a:p>
+            <a:r>
+              <a:rPr lang="en-US" sz="800" dirty="0"/>
+              <a:t>  </a:t>
+            </a:r>
+            <a:r>
+              <a:rPr lang="en-US" sz="800" dirty="0" err="1"/>
+              <a:t>secretMounts</a:t>
+            </a:r>
+            <a:r>
+              <a:rPr lang="en-US" sz="800" dirty="0"/>
+              <a:t>: </a:t>
+            </a:r>
+          </a:p>
+          <a:p>
+            <a:r>
+              <a:rPr lang="en-US" sz="800" dirty="0"/>
+              <a:t>    - name: </a:t>
+            </a:r>
+            <a:r>
+              <a:rPr lang="en-US" sz="800" dirty="0" err="1"/>
+              <a:t>myCustomCA</a:t>
+            </a:r>
+            <a:endParaRPr lang="en-US" sz="800" dirty="0"/>
+          </a:p>
+          <a:p>
+            <a:r>
+              <a:rPr lang="en-US" sz="800" dirty="0"/>
+              <a:t>      </a:t>
+            </a:r>
+            <a:r>
+              <a:rPr lang="en-US" sz="800" dirty="0" err="1"/>
+              <a:t>secretName</a:t>
+            </a:r>
+            <a:r>
+              <a:rPr lang="en-US" sz="800" dirty="0"/>
+              <a:t>: apim4elastic-elastic-ca</a:t>
+            </a:r>
+          </a:p>
+          <a:p>
+            <a:r>
+              <a:rPr lang="en-US" sz="800" dirty="0"/>
+              <a:t>      path: /</a:t>
+            </a:r>
+            <a:r>
+              <a:rPr lang="en-US" sz="800" dirty="0" err="1"/>
+              <a:t>usr</a:t>
+            </a:r>
+            <a:r>
+              <a:rPr lang="en-US" sz="800" dirty="0"/>
+              <a:t>/share/</a:t>
+            </a:r>
+            <a:r>
+              <a:rPr lang="en-US" sz="800" dirty="0" err="1"/>
+              <a:t>logstash</a:t>
+            </a:r>
+            <a:r>
+              <a:rPr lang="en-US" sz="800" dirty="0"/>
+              <a:t>/config/certificates</a:t>
+            </a:r>
+          </a:p>
+          <a:p>
+            <a:r>
+              <a:rPr lang="en-US" sz="800" dirty="0"/>
+              <a:t>      </a:t>
+            </a:r>
+            <a:r>
+              <a:rPr lang="en-US" sz="800" dirty="0" err="1"/>
+              <a:t>subPath</a:t>
+            </a:r>
+            <a:r>
+              <a:rPr lang="en-US" sz="800" dirty="0"/>
+              <a:t>: myElasticsearchCa.crt              </a:t>
+            </a:r>
+          </a:p>
+          <a:p>
+            <a:r>
+              <a:rPr lang="en-US" sz="800" dirty="0"/>
+              <a:t>apibuilder4elastic:</a:t>
+            </a:r>
+          </a:p>
+          <a:p>
+            <a:r>
+              <a:rPr lang="en-US" sz="800" dirty="0"/>
+              <a:t>  </a:t>
+            </a:r>
+            <a:r>
+              <a:rPr lang="en-US" sz="800" dirty="0" err="1"/>
+              <a:t>envFrom</a:t>
+            </a:r>
+            <a:r>
+              <a:rPr lang="en-US" sz="800" dirty="0"/>
+              <a:t>:</a:t>
+            </a:r>
+          </a:p>
+          <a:p>
+            <a:r>
+              <a:rPr lang="en-US" sz="800" dirty="0"/>
+              <a:t>    - </a:t>
+            </a:r>
+            <a:r>
+              <a:rPr lang="en-US" sz="800" dirty="0" err="1"/>
+              <a:t>configMapRef</a:t>
+            </a:r>
+            <a:r>
+              <a:rPr lang="en-US" sz="800" dirty="0"/>
+              <a:t>:</a:t>
+            </a:r>
+          </a:p>
+          <a:p>
+            <a:r>
+              <a:rPr lang="en-US" sz="800" dirty="0"/>
+              <a:t>        name: axway-elk-apim4elastic-apibuilder4elastic-config  </a:t>
+            </a:r>
+          </a:p>
+          <a:p>
+            <a:r>
+              <a:rPr lang="en-US" sz="800" dirty="0"/>
+              <a:t>    - </a:t>
+            </a:r>
+            <a:r>
+              <a:rPr lang="en-US" sz="800" dirty="0" err="1"/>
+              <a:t>secretRef</a:t>
+            </a:r>
+            <a:r>
+              <a:rPr lang="en-US" sz="800" dirty="0"/>
+              <a:t>:</a:t>
+            </a:r>
+          </a:p>
+          <a:p>
+            <a:r>
+              <a:rPr lang="en-US" sz="800" dirty="0"/>
+              <a:t>        name: </a:t>
+            </a:r>
+            <a:r>
+              <a:rPr lang="en-US" sz="800" dirty="0" err="1"/>
+              <a:t>api</a:t>
+            </a:r>
+            <a:r>
+              <a:rPr lang="en-US" sz="800" dirty="0"/>
+              <a:t>-builder-secrets</a:t>
+            </a:r>
+          </a:p>
+        </p:txBody>
+      </p:sp>
+      <p:sp>
+        <p:nvSpPr>
+          <p:cNvPr id="11" name="Textfeld 10">
+            <a:extLst>
+              <a:ext uri="{FF2B5EF4-FFF2-40B4-BE49-F238E27FC236}">
+                <a16:creationId xmlns:a16="http://schemas.microsoft.com/office/drawing/2014/main" id="{B168D401-6109-4A4B-9E59-7281B1B72565}"/>
+              </a:ext>
+            </a:extLst>
+          </p:cNvPr>
+          <p:cNvSpPr txBox="1"/>
+          <p:nvPr/>
+        </p:nvSpPr>
+        <p:spPr>
+          <a:xfrm>
+            <a:off x="8433844" y="1548423"/>
+            <a:ext cx="2893595" cy="646331"/>
+          </a:xfrm>
+          <a:prstGeom prst="rect">
+            <a:avLst/>
+          </a:prstGeom>
+          <a:noFill/>
+        </p:spPr>
+        <p:txBody>
+          <a:bodyPr wrap="square" rtlCol="0">
+            <a:spAutoFit/>
+          </a:bodyPr>
+          <a:lstStyle/>
+          <a:p>
+            <a:pPr algn="ctr"/>
+            <a:r>
+              <a:rPr lang="de-DE" dirty="0" err="1"/>
+              <a:t>Install</a:t>
+            </a:r>
+            <a:r>
+              <a:rPr lang="de-DE" dirty="0"/>
+              <a:t> </a:t>
+            </a:r>
+            <a:r>
+              <a:rPr lang="de-DE" dirty="0" err="1"/>
+              <a:t>or</a:t>
+            </a:r>
+            <a:r>
+              <a:rPr lang="de-DE" dirty="0"/>
+              <a:t> Upgrade </a:t>
+            </a:r>
+            <a:r>
+              <a:rPr lang="de-DE" dirty="0" err="1"/>
+              <a:t>the</a:t>
+            </a:r>
+            <a:r>
+              <a:rPr lang="de-DE" dirty="0"/>
+              <a:t> </a:t>
+            </a:r>
+            <a:r>
+              <a:rPr lang="de-DE" dirty="0" err="1"/>
+              <a:t>solution</a:t>
+            </a:r>
+            <a:endParaRPr lang="en-US" sz="1600" dirty="0"/>
+          </a:p>
+        </p:txBody>
+      </p:sp>
+      <p:sp>
+        <p:nvSpPr>
+          <p:cNvPr id="12" name="Textfeld 11">
+            <a:extLst>
+              <a:ext uri="{FF2B5EF4-FFF2-40B4-BE49-F238E27FC236}">
+                <a16:creationId xmlns:a16="http://schemas.microsoft.com/office/drawing/2014/main" id="{2C0FE87E-B1E0-40F3-A860-DA63F98587CD}"/>
+              </a:ext>
+            </a:extLst>
+          </p:cNvPr>
+          <p:cNvSpPr txBox="1"/>
+          <p:nvPr/>
+        </p:nvSpPr>
+        <p:spPr>
+          <a:xfrm>
+            <a:off x="8778634" y="2825212"/>
+            <a:ext cx="3144662" cy="338554"/>
+          </a:xfrm>
+          <a:prstGeom prst="rect">
+            <a:avLst/>
+          </a:prstGeom>
+          <a:noFill/>
+        </p:spPr>
+        <p:txBody>
+          <a:bodyPr wrap="square" rtlCol="0">
+            <a:spAutoFit/>
+          </a:bodyPr>
+          <a:lstStyle>
+            <a:defPPr>
+              <a:defRPr lang="en-US"/>
+            </a:defPPr>
+            <a:lvl1pPr>
+              <a:defRPr sz="1050">
+                <a:latin typeface="Courier New" panose="02070309020205020404" pitchFamily="49" charset="0"/>
+                <a:cs typeface="Courier New" panose="02070309020205020404" pitchFamily="49" charset="0"/>
+              </a:defRPr>
+            </a:lvl1pPr>
+          </a:lstStyle>
+          <a:p>
+            <a:r>
+              <a:rPr lang="en-US" sz="800" dirty="0"/>
+              <a:t>helm install -n </a:t>
+            </a:r>
+            <a:r>
+              <a:rPr lang="en-US" sz="800" dirty="0" err="1"/>
+              <a:t>apim</a:t>
+            </a:r>
+            <a:r>
+              <a:rPr lang="en-US" sz="800" dirty="0"/>
+              <a:t>-elk -f </a:t>
+            </a:r>
+            <a:r>
+              <a:rPr lang="en-US" sz="800" dirty="0" err="1"/>
+              <a:t>myvalues.yaml</a:t>
+            </a:r>
+            <a:r>
+              <a:rPr lang="en-US" sz="800" dirty="0"/>
+              <a:t> \</a:t>
+            </a:r>
+          </a:p>
+          <a:p>
+            <a:r>
+              <a:rPr lang="en-US" sz="800" dirty="0" err="1"/>
+              <a:t>axway</a:t>
+            </a:r>
+            <a:r>
+              <a:rPr lang="en-US" sz="800" dirty="0"/>
+              <a:t>-elk apim4elastic-3.0.0.tgz</a:t>
+            </a:r>
+          </a:p>
+        </p:txBody>
+      </p:sp>
+      <p:sp>
+        <p:nvSpPr>
+          <p:cNvPr id="14" name="Geschweifte Klammer rechts 13">
+            <a:extLst>
+              <a:ext uri="{FF2B5EF4-FFF2-40B4-BE49-F238E27FC236}">
+                <a16:creationId xmlns:a16="http://schemas.microsoft.com/office/drawing/2014/main" id="{29005DFD-8B3F-4860-8D5D-7DD11EA94246}"/>
+              </a:ext>
+            </a:extLst>
+          </p:cNvPr>
+          <p:cNvSpPr/>
+          <p:nvPr/>
+        </p:nvSpPr>
+        <p:spPr>
+          <a:xfrm>
+            <a:off x="3277111" y="2518407"/>
+            <a:ext cx="233203" cy="2845255"/>
+          </a:xfrm>
+          <a:prstGeom prst="rightBrace">
+            <a:avLst/>
+          </a:prstGeom>
+          <a:ln w="9525"/>
+        </p:spPr>
+        <p:style>
+          <a:lnRef idx="1">
+            <a:schemeClr val="dk1"/>
+          </a:lnRef>
+          <a:fillRef idx="0">
+            <a:schemeClr val="dk1"/>
+          </a:fillRef>
+          <a:effectRef idx="0">
+            <a:schemeClr val="dk1"/>
+          </a:effectRef>
+          <a:fontRef idx="minor">
+            <a:schemeClr val="tx1"/>
+          </a:fontRef>
+        </p:style>
+        <p:txBody>
+          <a:bodyPr rtlCol="0" anchor="ctr"/>
+          <a:lstStyle/>
+          <a:p>
+            <a:pPr algn="ctr"/>
+            <a:endParaRPr lang="en-US"/>
+          </a:p>
+        </p:txBody>
+      </p:sp>
+      <p:sp>
+        <p:nvSpPr>
+          <p:cNvPr id="15" name="Textfeld 14">
+            <a:extLst>
+              <a:ext uri="{FF2B5EF4-FFF2-40B4-BE49-F238E27FC236}">
+                <a16:creationId xmlns:a16="http://schemas.microsoft.com/office/drawing/2014/main" id="{4D3C8119-043A-48D8-BB7F-A3ED042C8E28}"/>
+              </a:ext>
+            </a:extLst>
+          </p:cNvPr>
+          <p:cNvSpPr txBox="1"/>
+          <p:nvPr/>
+        </p:nvSpPr>
+        <p:spPr>
+          <a:xfrm rot="16200000">
+            <a:off x="2043072" y="3669793"/>
+            <a:ext cx="3288632" cy="338554"/>
+          </a:xfrm>
+          <a:prstGeom prst="rect">
+            <a:avLst/>
+          </a:prstGeom>
+          <a:noFill/>
+        </p:spPr>
+        <p:txBody>
+          <a:bodyPr wrap="square" rtlCol="0">
+            <a:spAutoFit/>
+          </a:bodyPr>
+          <a:lstStyle/>
+          <a:p>
+            <a:pPr algn="ctr"/>
+            <a:r>
+              <a:rPr lang="de-DE" sz="1600" dirty="0"/>
+              <a:t>Custom K8S Resources</a:t>
+            </a:r>
+            <a:endParaRPr lang="en-US" sz="1600" dirty="0"/>
+          </a:p>
+        </p:txBody>
+      </p:sp>
+      <p:sp>
+        <p:nvSpPr>
+          <p:cNvPr id="16" name="Geschweifte Klammer rechts 15">
+            <a:extLst>
+              <a:ext uri="{FF2B5EF4-FFF2-40B4-BE49-F238E27FC236}">
+                <a16:creationId xmlns:a16="http://schemas.microsoft.com/office/drawing/2014/main" id="{83894A26-F9BE-4275-8D05-9127F6586BE9}"/>
+              </a:ext>
+            </a:extLst>
+          </p:cNvPr>
+          <p:cNvSpPr/>
+          <p:nvPr/>
+        </p:nvSpPr>
+        <p:spPr>
+          <a:xfrm>
+            <a:off x="7985077" y="2518407"/>
+            <a:ext cx="233203" cy="2845255"/>
+          </a:xfrm>
+          <a:prstGeom prst="rightBrace">
+            <a:avLst/>
+          </a:prstGeom>
+          <a:ln w="9525"/>
+        </p:spPr>
+        <p:style>
+          <a:lnRef idx="1">
+            <a:schemeClr val="dk1"/>
+          </a:lnRef>
+          <a:fillRef idx="0">
+            <a:schemeClr val="dk1"/>
+          </a:fillRef>
+          <a:effectRef idx="0">
+            <a:schemeClr val="dk1"/>
+          </a:effectRef>
+          <a:fontRef idx="minor">
+            <a:schemeClr val="tx1"/>
+          </a:fontRef>
+        </p:style>
+        <p:txBody>
+          <a:bodyPr rtlCol="0" anchor="ctr"/>
+          <a:lstStyle/>
+          <a:p>
+            <a:pPr algn="ctr"/>
+            <a:endParaRPr lang="en-US"/>
+          </a:p>
+        </p:txBody>
+      </p:sp>
+      <p:sp>
+        <p:nvSpPr>
+          <p:cNvPr id="17" name="Textfeld 16">
+            <a:extLst>
+              <a:ext uri="{FF2B5EF4-FFF2-40B4-BE49-F238E27FC236}">
+                <a16:creationId xmlns:a16="http://schemas.microsoft.com/office/drawing/2014/main" id="{2BD882F5-51DD-4E61-B6DB-C90798CF4BD1}"/>
+              </a:ext>
+            </a:extLst>
+          </p:cNvPr>
+          <p:cNvSpPr txBox="1"/>
+          <p:nvPr/>
+        </p:nvSpPr>
+        <p:spPr>
+          <a:xfrm rot="16200000">
+            <a:off x="6751038" y="3669793"/>
+            <a:ext cx="3288632" cy="338554"/>
+          </a:xfrm>
+          <a:prstGeom prst="rect">
+            <a:avLst/>
+          </a:prstGeom>
+          <a:noFill/>
+        </p:spPr>
+        <p:txBody>
+          <a:bodyPr wrap="square" rtlCol="0">
+            <a:spAutoFit/>
+          </a:bodyPr>
+          <a:lstStyle/>
+          <a:p>
+            <a:pPr algn="ctr"/>
+            <a:r>
+              <a:rPr lang="de-DE" sz="1600" dirty="0" err="1"/>
+              <a:t>Customized</a:t>
+            </a:r>
+            <a:r>
+              <a:rPr lang="de-DE" sz="1600" dirty="0"/>
+              <a:t> </a:t>
+            </a:r>
+            <a:r>
+              <a:rPr lang="de-DE" sz="1600" dirty="0" err="1"/>
+              <a:t>deployment</a:t>
+            </a:r>
+            <a:endParaRPr lang="en-US" sz="1600" dirty="0"/>
+          </a:p>
+        </p:txBody>
+      </p:sp>
+      <p:sp>
+        <p:nvSpPr>
+          <p:cNvPr id="18" name="Textfeld 17">
+            <a:extLst>
+              <a:ext uri="{FF2B5EF4-FFF2-40B4-BE49-F238E27FC236}">
+                <a16:creationId xmlns:a16="http://schemas.microsoft.com/office/drawing/2014/main" id="{A4D5AD70-445F-449D-890E-3280A9F9E506}"/>
+              </a:ext>
+            </a:extLst>
+          </p:cNvPr>
+          <p:cNvSpPr txBox="1"/>
+          <p:nvPr/>
+        </p:nvSpPr>
+        <p:spPr>
+          <a:xfrm>
+            <a:off x="8778634" y="3602480"/>
+            <a:ext cx="3144662" cy="338554"/>
+          </a:xfrm>
+          <a:prstGeom prst="rect">
+            <a:avLst/>
+          </a:prstGeom>
+          <a:noFill/>
+        </p:spPr>
+        <p:txBody>
+          <a:bodyPr wrap="square" rtlCol="0">
+            <a:spAutoFit/>
+          </a:bodyPr>
+          <a:lstStyle>
+            <a:defPPr>
+              <a:defRPr lang="en-US"/>
+            </a:defPPr>
+            <a:lvl1pPr>
+              <a:defRPr sz="1050">
+                <a:latin typeface="Courier New" panose="02070309020205020404" pitchFamily="49" charset="0"/>
+                <a:cs typeface="Courier New" panose="02070309020205020404" pitchFamily="49" charset="0"/>
+              </a:defRPr>
+            </a:lvl1pPr>
+          </a:lstStyle>
+          <a:p>
+            <a:r>
+              <a:rPr lang="en-US" sz="800" dirty="0"/>
+              <a:t>helm upgrade -n </a:t>
+            </a:r>
+            <a:r>
+              <a:rPr lang="en-US" sz="800" dirty="0" err="1"/>
+              <a:t>apim</a:t>
+            </a:r>
+            <a:r>
+              <a:rPr lang="en-US" sz="800" dirty="0"/>
+              <a:t>-elk -f </a:t>
+            </a:r>
+            <a:r>
+              <a:rPr lang="en-US" sz="800" dirty="0" err="1"/>
+              <a:t>myvalues.yaml</a:t>
+            </a:r>
+            <a:r>
+              <a:rPr lang="en-US" sz="800" dirty="0"/>
+              <a:t> \</a:t>
+            </a:r>
+          </a:p>
+          <a:p>
+            <a:r>
+              <a:rPr lang="en-US" sz="800" dirty="0" err="1"/>
+              <a:t>axway</a:t>
+            </a:r>
+            <a:r>
+              <a:rPr lang="en-US" sz="800" dirty="0"/>
+              <a:t>-elk apim4elastic-3.0.0.tgz</a:t>
+            </a:r>
+          </a:p>
+        </p:txBody>
+      </p:sp>
+    </p:spTree>
+    <p:extLst>
+      <p:ext uri="{BB962C8B-B14F-4D97-AF65-F5344CB8AC3E}">
+        <p14:creationId xmlns:p14="http://schemas.microsoft.com/office/powerpoint/2010/main" val="375747895"/>
+      </p:ext>
+    </p:extLst>
+  </p:cSld>
+  <p:clrMapOvr>
+    <a:masterClrMapping/>
+  </p:clrMapOvr>
+</p:sld>
+</file>
+
 <file path=ppt/theme/theme1.xml><?xml version="1.0" encoding="utf-8"?>
 <a:theme xmlns:a="http://schemas.openxmlformats.org/drawingml/2006/main" name="Office">
   <a:themeElements>

--- a/imgs/overview.pptx
+++ b/imgs/overview.pptx
@@ -7,6 +7,7 @@
   <p:sldIdLst>
     <p:sldId id="256" r:id="rId2"/>
     <p:sldId id="257" r:id="rId3"/>
+    <p:sldId id="258" r:id="rId4"/>
   </p:sldIdLst>
   <p:sldSz cx="12192000" cy="6858000"/>
   <p:notesSz cx="6858000" cy="9144000"/>
@@ -262,7 +263,7 @@
           <a:p>
             <a:fld id="{4AF7FC59-CE6B-4373-8AD1-CA18C966BC3A}" type="datetimeFigureOut">
               <a:rPr lang="en-US" smtClean="0"/>
-              <a:t>5/4/2021</a:t>
+              <a:t>8/31/2021</a:t>
             </a:fld>
             <a:endParaRPr lang="en-US"/>
           </a:p>
@@ -462,7 +463,7 @@
           <a:p>
             <a:fld id="{4AF7FC59-CE6B-4373-8AD1-CA18C966BC3A}" type="datetimeFigureOut">
               <a:rPr lang="en-US" smtClean="0"/>
-              <a:t>5/4/2021</a:t>
+              <a:t>8/31/2021</a:t>
             </a:fld>
             <a:endParaRPr lang="en-US"/>
           </a:p>
@@ -672,7 +673,7 @@
           <a:p>
             <a:fld id="{4AF7FC59-CE6B-4373-8AD1-CA18C966BC3A}" type="datetimeFigureOut">
               <a:rPr lang="en-US" smtClean="0"/>
-              <a:t>5/4/2021</a:t>
+              <a:t>8/31/2021</a:t>
             </a:fld>
             <a:endParaRPr lang="en-US"/>
           </a:p>
@@ -872,7 +873,7 @@
           <a:p>
             <a:fld id="{4AF7FC59-CE6B-4373-8AD1-CA18C966BC3A}" type="datetimeFigureOut">
               <a:rPr lang="en-US" smtClean="0"/>
-              <a:t>5/4/2021</a:t>
+              <a:t>8/31/2021</a:t>
             </a:fld>
             <a:endParaRPr lang="en-US"/>
           </a:p>
@@ -1148,7 +1149,7 @@
           <a:p>
             <a:fld id="{4AF7FC59-CE6B-4373-8AD1-CA18C966BC3A}" type="datetimeFigureOut">
               <a:rPr lang="en-US" smtClean="0"/>
-              <a:t>5/4/2021</a:t>
+              <a:t>8/31/2021</a:t>
             </a:fld>
             <a:endParaRPr lang="en-US"/>
           </a:p>
@@ -1416,7 +1417,7 @@
           <a:p>
             <a:fld id="{4AF7FC59-CE6B-4373-8AD1-CA18C966BC3A}" type="datetimeFigureOut">
               <a:rPr lang="en-US" smtClean="0"/>
-              <a:t>5/4/2021</a:t>
+              <a:t>8/31/2021</a:t>
             </a:fld>
             <a:endParaRPr lang="en-US"/>
           </a:p>
@@ -1831,7 +1832,7 @@
           <a:p>
             <a:fld id="{4AF7FC59-CE6B-4373-8AD1-CA18C966BC3A}" type="datetimeFigureOut">
               <a:rPr lang="en-US" smtClean="0"/>
-              <a:t>5/4/2021</a:t>
+              <a:t>8/31/2021</a:t>
             </a:fld>
             <a:endParaRPr lang="en-US"/>
           </a:p>
@@ -1973,7 +1974,7 @@
           <a:p>
             <a:fld id="{4AF7FC59-CE6B-4373-8AD1-CA18C966BC3A}" type="datetimeFigureOut">
               <a:rPr lang="en-US" smtClean="0"/>
-              <a:t>5/4/2021</a:t>
+              <a:t>8/31/2021</a:t>
             </a:fld>
             <a:endParaRPr lang="en-US"/>
           </a:p>
@@ -2086,7 +2087,7 @@
           <a:p>
             <a:fld id="{4AF7FC59-CE6B-4373-8AD1-CA18C966BC3A}" type="datetimeFigureOut">
               <a:rPr lang="en-US" smtClean="0"/>
-              <a:t>5/4/2021</a:t>
+              <a:t>8/31/2021</a:t>
             </a:fld>
             <a:endParaRPr lang="en-US"/>
           </a:p>
@@ -2399,7 +2400,7 @@
           <a:p>
             <a:fld id="{4AF7FC59-CE6B-4373-8AD1-CA18C966BC3A}" type="datetimeFigureOut">
               <a:rPr lang="en-US" smtClean="0"/>
-              <a:t>5/4/2021</a:t>
+              <a:t>8/31/2021</a:t>
             </a:fld>
             <a:endParaRPr lang="en-US"/>
           </a:p>
@@ -2688,7 +2689,7 @@
           <a:p>
             <a:fld id="{4AF7FC59-CE6B-4373-8AD1-CA18C966BC3A}" type="datetimeFigureOut">
               <a:rPr lang="en-US" smtClean="0"/>
-              <a:t>5/4/2021</a:t>
+              <a:t>8/31/2021</a:t>
             </a:fld>
             <a:endParaRPr lang="en-US"/>
           </a:p>
@@ -2931,7 +2932,7 @@
           <a:p>
             <a:fld id="{4AF7FC59-CE6B-4373-8AD1-CA18C966BC3A}" type="datetimeFigureOut">
               <a:rPr lang="en-US" smtClean="0"/>
-              <a:t>5/4/2021</a:t>
+              <a:t>8/31/2021</a:t>
             </a:fld>
             <a:endParaRPr lang="en-US"/>
           </a:p>
@@ -8036,6 +8037,632 @@
 </p:sld>
 </file>
 
+<file path=ppt/slides/slide3.xml><?xml version="1.0" encoding="utf-8"?>
+<p:sld xmlns:a="http://schemas.openxmlformats.org/drawingml/2006/main" xmlns:r="http://schemas.openxmlformats.org/officeDocument/2006/relationships" xmlns:p="http://schemas.openxmlformats.org/presentationml/2006/main">
+  <p:cSld>
+    <p:spTree>
+      <p:nvGrpSpPr>
+        <p:cNvPr id="1" name=""/>
+        <p:cNvGrpSpPr/>
+        <p:nvPr/>
+      </p:nvGrpSpPr>
+      <p:grpSpPr>
+        <a:xfrm>
+          <a:off x="0" y="0"/>
+          <a:ext cx="0" cy="0"/>
+          <a:chOff x="0" y="0"/>
+          <a:chExt cx="0" cy="0"/>
+        </a:xfrm>
+      </p:grpSpPr>
+      <p:pic>
+        <p:nvPicPr>
+          <p:cNvPr id="3" name="Grafik 2">
+            <a:extLst>
+              <a:ext uri="{FF2B5EF4-FFF2-40B4-BE49-F238E27FC236}">
+                <a16:creationId xmlns:a16="http://schemas.microsoft.com/office/drawing/2014/main" id="{9FEBE283-BA4D-485F-918B-DC9ECDD5636A}"/>
+              </a:ext>
+            </a:extLst>
+          </p:cNvPr>
+          <p:cNvPicPr>
+            <a:picLocks noChangeAspect="1"/>
+          </p:cNvPicPr>
+          <p:nvPr/>
+        </p:nvPicPr>
+        <p:blipFill>
+          <a:blip r:embed="rId2"/>
+          <a:stretch>
+            <a:fillRect/>
+          </a:stretch>
+        </p:blipFill>
+        <p:spPr>
+          <a:xfrm>
+            <a:off x="5662800" y="3756182"/>
+            <a:ext cx="3253375" cy="1826211"/>
+          </a:xfrm>
+          <a:prstGeom prst="rect">
+            <a:avLst/>
+          </a:prstGeom>
+        </p:spPr>
+      </p:pic>
+      <p:pic>
+        <p:nvPicPr>
+          <p:cNvPr id="5" name="Grafik 4">
+            <a:extLst>
+              <a:ext uri="{FF2B5EF4-FFF2-40B4-BE49-F238E27FC236}">
+                <a16:creationId xmlns:a16="http://schemas.microsoft.com/office/drawing/2014/main" id="{7B5DE41E-E78F-486B-B3F9-724DEE0CDAB6}"/>
+              </a:ext>
+            </a:extLst>
+          </p:cNvPr>
+          <p:cNvPicPr>
+            <a:picLocks noChangeAspect="1"/>
+          </p:cNvPicPr>
+          <p:nvPr/>
+        </p:nvPicPr>
+        <p:blipFill rotWithShape="1">
+          <a:blip r:embed="rId3"/>
+          <a:srcRect b="16685"/>
+          <a:stretch/>
+        </p:blipFill>
+        <p:spPr>
+          <a:xfrm>
+            <a:off x="690229" y="824684"/>
+            <a:ext cx="3379835" cy="1830025"/>
+          </a:xfrm>
+          <a:prstGeom prst="rect">
+            <a:avLst/>
+          </a:prstGeom>
+        </p:spPr>
+      </p:pic>
+      <p:pic>
+        <p:nvPicPr>
+          <p:cNvPr id="7" name="Grafik 6" descr="Ein Bild, das Tisch enthält.&#10;&#10;Automatisch generierte Beschreibung">
+            <a:extLst>
+              <a:ext uri="{FF2B5EF4-FFF2-40B4-BE49-F238E27FC236}">
+                <a16:creationId xmlns:a16="http://schemas.microsoft.com/office/drawing/2014/main" id="{95828A7A-C4A2-4208-ADFE-8813A16FE325}"/>
+              </a:ext>
+            </a:extLst>
+          </p:cNvPr>
+          <p:cNvPicPr>
+            <a:picLocks noChangeAspect="1"/>
+          </p:cNvPicPr>
+          <p:nvPr/>
+        </p:nvPicPr>
+        <p:blipFill>
+          <a:blip r:embed="rId4"/>
+          <a:stretch>
+            <a:fillRect/>
+          </a:stretch>
+        </p:blipFill>
+        <p:spPr>
+          <a:xfrm>
+            <a:off x="5662800" y="824684"/>
+            <a:ext cx="3253375" cy="1830024"/>
+          </a:xfrm>
+          <a:prstGeom prst="rect">
+            <a:avLst/>
+          </a:prstGeom>
+        </p:spPr>
+      </p:pic>
+      <p:sp>
+        <p:nvSpPr>
+          <p:cNvPr id="8" name="Textfeld 7">
+            <a:extLst>
+              <a:ext uri="{FF2B5EF4-FFF2-40B4-BE49-F238E27FC236}">
+                <a16:creationId xmlns:a16="http://schemas.microsoft.com/office/drawing/2014/main" id="{869CD9A7-D01F-4F65-9B8D-80C9B40398F8}"/>
+              </a:ext>
+            </a:extLst>
+          </p:cNvPr>
+          <p:cNvSpPr txBox="1"/>
+          <p:nvPr/>
+        </p:nvSpPr>
+        <p:spPr>
+          <a:xfrm>
+            <a:off x="1046746" y="1739696"/>
+            <a:ext cx="2592805" cy="369332"/>
+          </a:xfrm>
+          <a:prstGeom prst="rect">
+            <a:avLst/>
+          </a:prstGeom>
+          <a:solidFill>
+            <a:schemeClr val="bg1"/>
+          </a:solidFill>
+          <a:ln w="6350">
+            <a:solidFill>
+              <a:schemeClr val="tx1"/>
+            </a:solidFill>
+          </a:ln>
+        </p:spPr>
+        <p:txBody>
+          <a:bodyPr wrap="square" rtlCol="0">
+            <a:spAutoFit/>
+          </a:bodyPr>
+          <a:lstStyle/>
+          <a:p>
+            <a:pPr algn="ctr"/>
+            <a:r>
+              <a:rPr lang="de-DE" dirty="0">
+                <a:solidFill>
+                  <a:srgbClr val="FF0000"/>
+                </a:solidFill>
+              </a:rPr>
+              <a:t>Raw-Data </a:t>
+            </a:r>
+            <a:r>
+              <a:rPr lang="de-DE" dirty="0" err="1">
+                <a:solidFill>
+                  <a:srgbClr val="FF0000"/>
+                </a:solidFill>
+              </a:rPr>
+              <a:t>index</a:t>
+            </a:r>
+            <a:endParaRPr lang="en-US" dirty="0">
+              <a:solidFill>
+                <a:srgbClr val="FF0000"/>
+              </a:solidFill>
+            </a:endParaRPr>
+          </a:p>
+        </p:txBody>
+      </p:sp>
+      <p:pic>
+        <p:nvPicPr>
+          <p:cNvPr id="10" name="Grafik 9">
+            <a:extLst>
+              <a:ext uri="{FF2B5EF4-FFF2-40B4-BE49-F238E27FC236}">
+                <a16:creationId xmlns:a16="http://schemas.microsoft.com/office/drawing/2014/main" id="{B6B84594-B68E-4A0F-A84A-0CC57699B405}"/>
+              </a:ext>
+            </a:extLst>
+          </p:cNvPr>
+          <p:cNvPicPr>
+            <a:picLocks noChangeAspect="1"/>
+          </p:cNvPicPr>
+          <p:nvPr/>
+        </p:nvPicPr>
+        <p:blipFill rotWithShape="1">
+          <a:blip r:embed="rId5"/>
+          <a:srcRect l="32122"/>
+          <a:stretch/>
+        </p:blipFill>
+        <p:spPr>
+          <a:xfrm>
+            <a:off x="690229" y="3805403"/>
+            <a:ext cx="3374001" cy="1888959"/>
+          </a:xfrm>
+          <a:prstGeom prst="rect">
+            <a:avLst/>
+          </a:prstGeom>
+        </p:spPr>
+      </p:pic>
+      <p:sp>
+        <p:nvSpPr>
+          <p:cNvPr id="11" name="Textfeld 10">
+            <a:extLst>
+              <a:ext uri="{FF2B5EF4-FFF2-40B4-BE49-F238E27FC236}">
+                <a16:creationId xmlns:a16="http://schemas.microsoft.com/office/drawing/2014/main" id="{E5642AA8-95FD-41A0-B845-405FC14AFC62}"/>
+              </a:ext>
+            </a:extLst>
+          </p:cNvPr>
+          <p:cNvSpPr txBox="1"/>
+          <p:nvPr/>
+        </p:nvSpPr>
+        <p:spPr>
+          <a:xfrm>
+            <a:off x="1080826" y="4669288"/>
+            <a:ext cx="2592805" cy="369332"/>
+          </a:xfrm>
+          <a:prstGeom prst="rect">
+            <a:avLst/>
+          </a:prstGeom>
+          <a:solidFill>
+            <a:schemeClr val="bg1"/>
+          </a:solidFill>
+          <a:ln w="6350">
+            <a:solidFill>
+              <a:schemeClr val="tx1"/>
+            </a:solidFill>
+          </a:ln>
+        </p:spPr>
+        <p:txBody>
+          <a:bodyPr wrap="square" rtlCol="0">
+            <a:spAutoFit/>
+          </a:bodyPr>
+          <a:lstStyle/>
+          <a:p>
+            <a:pPr algn="ctr"/>
+            <a:r>
+              <a:rPr lang="de-DE" dirty="0" err="1">
+                <a:solidFill>
+                  <a:srgbClr val="FF0000"/>
+                </a:solidFill>
+              </a:rPr>
+              <a:t>Hourly</a:t>
+            </a:r>
+            <a:r>
+              <a:rPr lang="de-DE" dirty="0">
+                <a:solidFill>
+                  <a:srgbClr val="FF0000"/>
+                </a:solidFill>
+              </a:rPr>
+              <a:t>-Data </a:t>
+            </a:r>
+            <a:r>
+              <a:rPr lang="de-DE" dirty="0" err="1">
+                <a:solidFill>
+                  <a:srgbClr val="FF0000"/>
+                </a:solidFill>
+              </a:rPr>
+              <a:t>index</a:t>
+            </a:r>
+            <a:endParaRPr lang="en-US" dirty="0">
+              <a:solidFill>
+                <a:srgbClr val="FF0000"/>
+              </a:solidFill>
+            </a:endParaRPr>
+          </a:p>
+        </p:txBody>
+      </p:sp>
+      <p:sp>
+        <p:nvSpPr>
+          <p:cNvPr id="13" name="Textfeld 12">
+            <a:extLst>
+              <a:ext uri="{FF2B5EF4-FFF2-40B4-BE49-F238E27FC236}">
+                <a16:creationId xmlns:a16="http://schemas.microsoft.com/office/drawing/2014/main" id="{D83A506C-829A-47E2-8858-A3605F79AAF2}"/>
+              </a:ext>
+            </a:extLst>
+          </p:cNvPr>
+          <p:cNvSpPr txBox="1"/>
+          <p:nvPr/>
+        </p:nvSpPr>
+        <p:spPr>
+          <a:xfrm>
+            <a:off x="6006871" y="4530787"/>
+            <a:ext cx="2592805" cy="646331"/>
+          </a:xfrm>
+          <a:prstGeom prst="rect">
+            <a:avLst/>
+          </a:prstGeom>
+          <a:solidFill>
+            <a:schemeClr val="bg1"/>
+          </a:solidFill>
+          <a:ln w="6350">
+            <a:solidFill>
+              <a:schemeClr val="tx1"/>
+            </a:solidFill>
+          </a:ln>
+        </p:spPr>
+        <p:txBody>
+          <a:bodyPr wrap="square" rtlCol="0">
+            <a:spAutoFit/>
+          </a:bodyPr>
+          <a:lstStyle/>
+          <a:p>
+            <a:pPr algn="ctr"/>
+            <a:r>
+              <a:rPr lang="de-DE" dirty="0">
+                <a:solidFill>
+                  <a:srgbClr val="FF0000"/>
+                </a:solidFill>
+              </a:rPr>
+              <a:t>Quarterly- </a:t>
+            </a:r>
+            <a:r>
+              <a:rPr lang="de-DE" dirty="0" err="1">
+                <a:solidFill>
+                  <a:srgbClr val="FF0000"/>
+                </a:solidFill>
+              </a:rPr>
+              <a:t>or</a:t>
+            </a:r>
+            <a:r>
+              <a:rPr lang="de-DE" dirty="0">
+                <a:solidFill>
+                  <a:srgbClr val="FF0000"/>
+                </a:solidFill>
+              </a:rPr>
+              <a:t> </a:t>
+            </a:r>
+            <a:r>
+              <a:rPr lang="de-DE" dirty="0" err="1">
+                <a:solidFill>
+                  <a:srgbClr val="FF0000"/>
+                </a:solidFill>
+              </a:rPr>
+              <a:t>Yearly</a:t>
+            </a:r>
+            <a:r>
+              <a:rPr lang="de-DE" dirty="0">
+                <a:solidFill>
+                  <a:srgbClr val="FF0000"/>
+                </a:solidFill>
+              </a:rPr>
+              <a:t>-Dashboard</a:t>
+            </a:r>
+            <a:endParaRPr lang="en-US" dirty="0">
+              <a:solidFill>
+                <a:srgbClr val="FF0000"/>
+              </a:solidFill>
+            </a:endParaRPr>
+          </a:p>
+        </p:txBody>
+      </p:sp>
+      <p:sp>
+        <p:nvSpPr>
+          <p:cNvPr id="14" name="Textfeld 13">
+            <a:extLst>
+              <a:ext uri="{FF2B5EF4-FFF2-40B4-BE49-F238E27FC236}">
+                <a16:creationId xmlns:a16="http://schemas.microsoft.com/office/drawing/2014/main" id="{21B0A6D5-4422-4DB3-A0E8-DE32B57806C1}"/>
+              </a:ext>
+            </a:extLst>
+          </p:cNvPr>
+          <p:cNvSpPr txBox="1"/>
+          <p:nvPr/>
+        </p:nvSpPr>
+        <p:spPr>
+          <a:xfrm>
+            <a:off x="6006871" y="1617870"/>
+            <a:ext cx="2592805" cy="369332"/>
+          </a:xfrm>
+          <a:prstGeom prst="rect">
+            <a:avLst/>
+          </a:prstGeom>
+          <a:solidFill>
+            <a:schemeClr val="bg1"/>
+          </a:solidFill>
+          <a:ln w="6350">
+            <a:solidFill>
+              <a:schemeClr val="tx1"/>
+            </a:solidFill>
+          </a:ln>
+        </p:spPr>
+        <p:txBody>
+          <a:bodyPr wrap="square" rtlCol="0">
+            <a:spAutoFit/>
+          </a:bodyPr>
+          <a:lstStyle/>
+          <a:p>
+            <a:pPr algn="ctr"/>
+            <a:r>
+              <a:rPr lang="de-DE" dirty="0">
+                <a:solidFill>
+                  <a:srgbClr val="FF0000"/>
+                </a:solidFill>
+              </a:rPr>
+              <a:t>Real-Time Dashboard</a:t>
+            </a:r>
+            <a:endParaRPr lang="en-US" dirty="0">
+              <a:solidFill>
+                <a:srgbClr val="FF0000"/>
+              </a:solidFill>
+            </a:endParaRPr>
+          </a:p>
+        </p:txBody>
+      </p:sp>
+      <p:sp>
+        <p:nvSpPr>
+          <p:cNvPr id="15" name="Pfeil: nach unten 14">
+            <a:extLst>
+              <a:ext uri="{FF2B5EF4-FFF2-40B4-BE49-F238E27FC236}">
+                <a16:creationId xmlns:a16="http://schemas.microsoft.com/office/drawing/2014/main" id="{3DB22C3F-ECE2-432E-8FCE-0E6C9F44E856}"/>
+              </a:ext>
+            </a:extLst>
+          </p:cNvPr>
+          <p:cNvSpPr/>
+          <p:nvPr/>
+        </p:nvSpPr>
+        <p:spPr>
+          <a:xfrm>
+            <a:off x="1477440" y="2814443"/>
+            <a:ext cx="511342" cy="879702"/>
+          </a:xfrm>
+          <a:prstGeom prst="downArrow">
+            <a:avLst/>
+          </a:prstGeom>
+        </p:spPr>
+        <p:style>
+          <a:lnRef idx="2">
+            <a:schemeClr val="dk1"/>
+          </a:lnRef>
+          <a:fillRef idx="1">
+            <a:schemeClr val="lt1"/>
+          </a:fillRef>
+          <a:effectRef idx="0">
+            <a:schemeClr val="dk1"/>
+          </a:effectRef>
+          <a:fontRef idx="minor">
+            <a:schemeClr val="dk1"/>
+          </a:fontRef>
+        </p:style>
+        <p:txBody>
+          <a:bodyPr rtlCol="0" anchor="ctr"/>
+          <a:lstStyle/>
+          <a:p>
+            <a:pPr algn="ctr"/>
+            <a:endParaRPr lang="en-US"/>
+          </a:p>
+        </p:txBody>
+      </p:sp>
+      <p:sp>
+        <p:nvSpPr>
+          <p:cNvPr id="16" name="Textfeld 15">
+            <a:extLst>
+              <a:ext uri="{FF2B5EF4-FFF2-40B4-BE49-F238E27FC236}">
+                <a16:creationId xmlns:a16="http://schemas.microsoft.com/office/drawing/2014/main" id="{BB234F0D-0D83-471D-8BB2-C62D346423CC}"/>
+              </a:ext>
+            </a:extLst>
+          </p:cNvPr>
+          <p:cNvSpPr txBox="1"/>
+          <p:nvPr/>
+        </p:nvSpPr>
+        <p:spPr>
+          <a:xfrm>
+            <a:off x="2054957" y="2936556"/>
+            <a:ext cx="2124001" cy="646331"/>
+          </a:xfrm>
+          <a:prstGeom prst="rect">
+            <a:avLst/>
+          </a:prstGeom>
+          <a:noFill/>
+        </p:spPr>
+        <p:txBody>
+          <a:bodyPr wrap="square" rtlCol="0">
+            <a:spAutoFit/>
+          </a:bodyPr>
+          <a:lstStyle/>
+          <a:p>
+            <a:r>
+              <a:rPr lang="de-DE" sz="1200" b="1" dirty="0"/>
+              <a:t>Transformation</a:t>
+            </a:r>
+            <a:r>
+              <a:rPr lang="de-DE" sz="1200" dirty="0"/>
+              <a:t> </a:t>
+            </a:r>
+            <a:br>
+              <a:rPr lang="de-DE" sz="1200" dirty="0"/>
+            </a:br>
+            <a:r>
+              <a:rPr lang="de-DE" sz="1200" dirty="0" err="1"/>
+              <a:t>Hourly</a:t>
+            </a:r>
+            <a:r>
+              <a:rPr lang="de-DE" sz="1200" dirty="0"/>
+              <a:t> </a:t>
+            </a:r>
+            <a:r>
+              <a:rPr lang="de-DE" sz="1200" dirty="0" err="1"/>
+              <a:t>buckets</a:t>
+            </a:r>
+            <a:r>
+              <a:rPr lang="de-DE" sz="1200" dirty="0"/>
+              <a:t> </a:t>
+            </a:r>
+            <a:br>
+              <a:rPr lang="de-DE" sz="1200" dirty="0"/>
+            </a:br>
+            <a:r>
+              <a:rPr lang="de-DE" sz="1200" dirty="0"/>
+              <a:t>Delay </a:t>
+            </a:r>
+            <a:r>
+              <a:rPr lang="de-DE" sz="1200" dirty="0" err="1"/>
+              <a:t>of</a:t>
+            </a:r>
+            <a:r>
+              <a:rPr lang="de-DE" sz="1200" dirty="0"/>
+              <a:t> 3 </a:t>
+            </a:r>
+            <a:r>
+              <a:rPr lang="de-DE" sz="1200" dirty="0" err="1"/>
+              <a:t>hours</a:t>
+            </a:r>
+            <a:r>
+              <a:rPr lang="de-DE" sz="1200" dirty="0"/>
+              <a:t>.</a:t>
+            </a:r>
+            <a:endParaRPr lang="en-US" sz="1200" dirty="0"/>
+          </a:p>
+        </p:txBody>
+      </p:sp>
+      <p:sp>
+        <p:nvSpPr>
+          <p:cNvPr id="17" name="Pfeil: nach unten 16">
+            <a:extLst>
+              <a:ext uri="{FF2B5EF4-FFF2-40B4-BE49-F238E27FC236}">
+                <a16:creationId xmlns:a16="http://schemas.microsoft.com/office/drawing/2014/main" id="{34A45468-B1B8-49C6-8B87-3A12D46CEE38}"/>
+              </a:ext>
+            </a:extLst>
+          </p:cNvPr>
+          <p:cNvSpPr/>
+          <p:nvPr/>
+        </p:nvSpPr>
+        <p:spPr>
+          <a:xfrm rot="16200000">
+            <a:off x="4610761" y="1362685"/>
+            <a:ext cx="511342" cy="879702"/>
+          </a:xfrm>
+          <a:prstGeom prst="downArrow">
+            <a:avLst/>
+          </a:prstGeom>
+        </p:spPr>
+        <p:style>
+          <a:lnRef idx="2">
+            <a:schemeClr val="dk1"/>
+          </a:lnRef>
+          <a:fillRef idx="1">
+            <a:schemeClr val="lt1"/>
+          </a:fillRef>
+          <a:effectRef idx="0">
+            <a:schemeClr val="dk1"/>
+          </a:effectRef>
+          <a:fontRef idx="minor">
+            <a:schemeClr val="dk1"/>
+          </a:fontRef>
+        </p:style>
+        <p:txBody>
+          <a:bodyPr rtlCol="0" anchor="ctr"/>
+          <a:lstStyle/>
+          <a:p>
+            <a:pPr algn="ctr"/>
+            <a:endParaRPr lang="en-US"/>
+          </a:p>
+        </p:txBody>
+      </p:sp>
+      <p:sp>
+        <p:nvSpPr>
+          <p:cNvPr id="18" name="Pfeil: nach unten 17">
+            <a:extLst>
+              <a:ext uri="{FF2B5EF4-FFF2-40B4-BE49-F238E27FC236}">
+                <a16:creationId xmlns:a16="http://schemas.microsoft.com/office/drawing/2014/main" id="{389171DB-69B3-4709-9FD3-8E52B62589EA}"/>
+              </a:ext>
+            </a:extLst>
+          </p:cNvPr>
+          <p:cNvSpPr/>
+          <p:nvPr/>
+        </p:nvSpPr>
+        <p:spPr>
+          <a:xfrm rot="16200000">
+            <a:off x="4610761" y="4414103"/>
+            <a:ext cx="511342" cy="879702"/>
+          </a:xfrm>
+          <a:prstGeom prst="downArrow">
+            <a:avLst/>
+          </a:prstGeom>
+        </p:spPr>
+        <p:style>
+          <a:lnRef idx="2">
+            <a:schemeClr val="dk1"/>
+          </a:lnRef>
+          <a:fillRef idx="1">
+            <a:schemeClr val="lt1"/>
+          </a:fillRef>
+          <a:effectRef idx="0">
+            <a:schemeClr val="dk1"/>
+          </a:effectRef>
+          <a:fontRef idx="minor">
+            <a:schemeClr val="dk1"/>
+          </a:fontRef>
+        </p:style>
+        <p:txBody>
+          <a:bodyPr rtlCol="0" anchor="ctr"/>
+          <a:lstStyle/>
+          <a:p>
+            <a:pPr algn="ctr"/>
+            <a:endParaRPr lang="en-US"/>
+          </a:p>
+        </p:txBody>
+      </p:sp>
+    </p:spTree>
+    <p:extLst>
+      <p:ext uri="{BB962C8B-B14F-4D97-AF65-F5344CB8AC3E}">
+        <p14:creationId xmlns:p14="http://schemas.microsoft.com/office/powerpoint/2010/main" val="3680680623"/>
+      </p:ext>
+    </p:extLst>
+  </p:cSld>
+  <p:clrMapOvr>
+    <a:masterClrMapping/>
+  </p:clrMapOvr>
+</p:sld>
+</file>
+
 <file path=ppt/theme/theme1.xml><?xml version="1.0" encoding="utf-8"?>
 <a:theme xmlns:a="http://schemas.openxmlformats.org/drawingml/2006/main" name="Office">
   <a:themeElements>

--- a/imgs/overview.pptx
+++ b/imgs/overview.pptx
@@ -8,6 +8,7 @@
     <p:sldId id="256" r:id="rId2"/>
     <p:sldId id="257" r:id="rId3"/>
     <p:sldId id="258" r:id="rId4"/>
+    <p:sldId id="259" r:id="rId5"/>
   </p:sldIdLst>
   <p:sldSz cx="12192000" cy="6858000"/>
   <p:notesSz cx="6858000" cy="9144000"/>
@@ -263,7 +264,7 @@
           <a:p>
             <a:fld id="{4AF7FC59-CE6B-4373-8AD1-CA18C966BC3A}" type="datetimeFigureOut">
               <a:rPr lang="en-US" smtClean="0"/>
-              <a:t>8/31/2021</a:t>
+              <a:t>1/20/2022</a:t>
             </a:fld>
             <a:endParaRPr lang="en-US"/>
           </a:p>
@@ -463,7 +464,7 @@
           <a:p>
             <a:fld id="{4AF7FC59-CE6B-4373-8AD1-CA18C966BC3A}" type="datetimeFigureOut">
               <a:rPr lang="en-US" smtClean="0"/>
-              <a:t>8/31/2021</a:t>
+              <a:t>1/20/2022</a:t>
             </a:fld>
             <a:endParaRPr lang="en-US"/>
           </a:p>
@@ -673,7 +674,7 @@
           <a:p>
             <a:fld id="{4AF7FC59-CE6B-4373-8AD1-CA18C966BC3A}" type="datetimeFigureOut">
               <a:rPr lang="en-US" smtClean="0"/>
-              <a:t>8/31/2021</a:t>
+              <a:t>1/20/2022</a:t>
             </a:fld>
             <a:endParaRPr lang="en-US"/>
           </a:p>
@@ -873,7 +874,7 @@
           <a:p>
             <a:fld id="{4AF7FC59-CE6B-4373-8AD1-CA18C966BC3A}" type="datetimeFigureOut">
               <a:rPr lang="en-US" smtClean="0"/>
-              <a:t>8/31/2021</a:t>
+              <a:t>1/20/2022</a:t>
             </a:fld>
             <a:endParaRPr lang="en-US"/>
           </a:p>
@@ -1149,7 +1150,7 @@
           <a:p>
             <a:fld id="{4AF7FC59-CE6B-4373-8AD1-CA18C966BC3A}" type="datetimeFigureOut">
               <a:rPr lang="en-US" smtClean="0"/>
-              <a:t>8/31/2021</a:t>
+              <a:t>1/20/2022</a:t>
             </a:fld>
             <a:endParaRPr lang="en-US"/>
           </a:p>
@@ -1417,7 +1418,7 @@
           <a:p>
             <a:fld id="{4AF7FC59-CE6B-4373-8AD1-CA18C966BC3A}" type="datetimeFigureOut">
               <a:rPr lang="en-US" smtClean="0"/>
-              <a:t>8/31/2021</a:t>
+              <a:t>1/20/2022</a:t>
             </a:fld>
             <a:endParaRPr lang="en-US"/>
           </a:p>
@@ -1832,7 +1833,7 @@
           <a:p>
             <a:fld id="{4AF7FC59-CE6B-4373-8AD1-CA18C966BC3A}" type="datetimeFigureOut">
               <a:rPr lang="en-US" smtClean="0"/>
-              <a:t>8/31/2021</a:t>
+              <a:t>1/20/2022</a:t>
             </a:fld>
             <a:endParaRPr lang="en-US"/>
           </a:p>
@@ -1974,7 +1975,7 @@
           <a:p>
             <a:fld id="{4AF7FC59-CE6B-4373-8AD1-CA18C966BC3A}" type="datetimeFigureOut">
               <a:rPr lang="en-US" smtClean="0"/>
-              <a:t>8/31/2021</a:t>
+              <a:t>1/20/2022</a:t>
             </a:fld>
             <a:endParaRPr lang="en-US"/>
           </a:p>
@@ -2087,7 +2088,7 @@
           <a:p>
             <a:fld id="{4AF7FC59-CE6B-4373-8AD1-CA18C966BC3A}" type="datetimeFigureOut">
               <a:rPr lang="en-US" smtClean="0"/>
-              <a:t>8/31/2021</a:t>
+              <a:t>1/20/2022</a:t>
             </a:fld>
             <a:endParaRPr lang="en-US"/>
           </a:p>
@@ -2400,7 +2401,7 @@
           <a:p>
             <a:fld id="{4AF7FC59-CE6B-4373-8AD1-CA18C966BC3A}" type="datetimeFigureOut">
               <a:rPr lang="en-US" smtClean="0"/>
-              <a:t>8/31/2021</a:t>
+              <a:t>1/20/2022</a:t>
             </a:fld>
             <a:endParaRPr lang="en-US"/>
           </a:p>
@@ -2689,7 +2690,7 @@
           <a:p>
             <a:fld id="{4AF7FC59-CE6B-4373-8AD1-CA18C966BC3A}" type="datetimeFigureOut">
               <a:rPr lang="en-US" smtClean="0"/>
-              <a:t>8/31/2021</a:t>
+              <a:t>1/20/2022</a:t>
             </a:fld>
             <a:endParaRPr lang="en-US"/>
           </a:p>
@@ -2932,7 +2933,7 @@
           <a:p>
             <a:fld id="{4AF7FC59-CE6B-4373-8AD1-CA18C966BC3A}" type="datetimeFigureOut">
               <a:rPr lang="en-US" smtClean="0"/>
-              <a:t>8/31/2021</a:t>
+              <a:t>1/20/2022</a:t>
             </a:fld>
             <a:endParaRPr lang="en-US"/>
           </a:p>
@@ -8663,6 +8664,489 @@
 </p:sld>
 </file>
 
+<file path=ppt/slides/slide4.xml><?xml version="1.0" encoding="utf-8"?>
+<p:sld xmlns:a="http://schemas.openxmlformats.org/drawingml/2006/main" xmlns:r="http://schemas.openxmlformats.org/officeDocument/2006/relationships" xmlns:p="http://schemas.openxmlformats.org/presentationml/2006/main">
+  <p:cSld>
+    <p:spTree>
+      <p:nvGrpSpPr>
+        <p:cNvPr id="1" name=""/>
+        <p:cNvGrpSpPr/>
+        <p:nvPr/>
+      </p:nvGrpSpPr>
+      <p:grpSpPr>
+        <a:xfrm>
+          <a:off x="0" y="0"/>
+          <a:ext cx="0" cy="0"/>
+          <a:chOff x="0" y="0"/>
+          <a:chExt cx="0" cy="0"/>
+        </a:xfrm>
+      </p:grpSpPr>
+      <p:pic>
+        <p:nvPicPr>
+          <p:cNvPr id="3" name="Grafik 2">
+            <a:extLst>
+              <a:ext uri="{FF2B5EF4-FFF2-40B4-BE49-F238E27FC236}">
+                <a16:creationId xmlns:a16="http://schemas.microsoft.com/office/drawing/2014/main" id="{D7BD7DBA-A420-45CB-92CB-EE4222806D7A}"/>
+              </a:ext>
+            </a:extLst>
+          </p:cNvPr>
+          <p:cNvPicPr>
+            <a:picLocks noChangeAspect="1"/>
+          </p:cNvPicPr>
+          <p:nvPr/>
+        </p:nvPicPr>
+        <p:blipFill>
+          <a:blip r:embed="rId2"/>
+          <a:stretch>
+            <a:fillRect/>
+          </a:stretch>
+        </p:blipFill>
+        <p:spPr>
+          <a:xfrm>
+            <a:off x="1173078" y="3193241"/>
+            <a:ext cx="9564861" cy="545364"/>
+          </a:xfrm>
+          <a:prstGeom prst="rect">
+            <a:avLst/>
+          </a:prstGeom>
+        </p:spPr>
+      </p:pic>
+      <p:sp>
+        <p:nvSpPr>
+          <p:cNvPr id="4" name="Rechteck 3">
+            <a:extLst>
+              <a:ext uri="{FF2B5EF4-FFF2-40B4-BE49-F238E27FC236}">
+                <a16:creationId xmlns:a16="http://schemas.microsoft.com/office/drawing/2014/main" id="{0CC1D7FE-EA54-492A-A50E-9982EF567CB3}"/>
+              </a:ext>
+            </a:extLst>
+          </p:cNvPr>
+          <p:cNvSpPr/>
+          <p:nvPr/>
+        </p:nvSpPr>
+        <p:spPr>
+          <a:xfrm>
+            <a:off x="549442" y="1389647"/>
+            <a:ext cx="2418347" cy="1467853"/>
+          </a:xfrm>
+          <a:prstGeom prst="rect">
+            <a:avLst/>
+          </a:prstGeom>
+        </p:spPr>
+        <p:style>
+          <a:lnRef idx="2">
+            <a:schemeClr val="dk1">
+              <a:shade val="50000"/>
+            </a:schemeClr>
+          </a:lnRef>
+          <a:fillRef idx="1">
+            <a:schemeClr val="dk1"/>
+          </a:fillRef>
+          <a:effectRef idx="0">
+            <a:schemeClr val="dk1"/>
+          </a:effectRef>
+          <a:fontRef idx="minor">
+            <a:schemeClr val="lt1"/>
+          </a:fontRef>
+        </p:style>
+        <p:txBody>
+          <a:bodyPr rtlCol="0" anchor="ctr"/>
+          <a:lstStyle/>
+          <a:p>
+            <a:r>
+              <a:rPr lang="en-US" sz="1000" dirty="0"/>
+              <a:t>The rollover criteria in the Hot-Phase define when an index is rolled over. </a:t>
+            </a:r>
+            <a:br>
+              <a:rPr lang="en-US" sz="1000" dirty="0"/>
+            </a:br>
+            <a:r>
+              <a:rPr lang="en-US" sz="1000" dirty="0"/>
+              <a:t>If one of the defined rollover criteria is met, a new index is created and the old one starts its lifecycle via Warm, Cold and Delete. </a:t>
+            </a:r>
+          </a:p>
+          <a:p>
+            <a:r>
+              <a:rPr lang="en-US" sz="1000" dirty="0"/>
+              <a:t>Depending on the amount of data in your environment, an index </a:t>
+            </a:r>
+            <a:r>
+              <a:rPr lang="en-US" sz="1000" dirty="0">
+                <a:solidFill>
+                  <a:srgbClr val="FFFF00"/>
+                </a:solidFill>
+              </a:rPr>
+              <a:t>will be rolled over sooner or later.</a:t>
+            </a:r>
+          </a:p>
+        </p:txBody>
+      </p:sp>
+      <p:sp>
+        <p:nvSpPr>
+          <p:cNvPr id="6" name="Geschweifte Klammer links 5">
+            <a:extLst>
+              <a:ext uri="{FF2B5EF4-FFF2-40B4-BE49-F238E27FC236}">
+                <a16:creationId xmlns:a16="http://schemas.microsoft.com/office/drawing/2014/main" id="{85CBFB1A-97F5-40EF-8332-FB4E4A5B5C5B}"/>
+              </a:ext>
+            </a:extLst>
+          </p:cNvPr>
+          <p:cNvSpPr/>
+          <p:nvPr/>
+        </p:nvSpPr>
+        <p:spPr>
+          <a:xfrm rot="5400000">
+            <a:off x="1997242" y="2263801"/>
+            <a:ext cx="270710" cy="1678405"/>
+          </a:xfrm>
+          <a:prstGeom prst="leftBrace">
+            <a:avLst>
+              <a:gd name="adj1" fmla="val 23889"/>
+              <a:gd name="adj2" fmla="val 50000"/>
+            </a:avLst>
+          </a:prstGeom>
+          <a:ln w="28575">
+            <a:solidFill>
+              <a:schemeClr val="tx1"/>
+            </a:solidFill>
+          </a:ln>
+        </p:spPr>
+        <p:style>
+          <a:lnRef idx="1">
+            <a:schemeClr val="accent1"/>
+          </a:lnRef>
+          <a:fillRef idx="0">
+            <a:schemeClr val="accent1"/>
+          </a:fillRef>
+          <a:effectRef idx="0">
+            <a:schemeClr val="accent1"/>
+          </a:effectRef>
+          <a:fontRef idx="minor">
+            <a:schemeClr val="tx1"/>
+          </a:fontRef>
+        </p:style>
+        <p:txBody>
+          <a:bodyPr rtlCol="0" anchor="ctr"/>
+          <a:lstStyle/>
+          <a:p>
+            <a:pPr algn="ctr"/>
+            <a:endParaRPr lang="en-US"/>
+          </a:p>
+        </p:txBody>
+      </p:sp>
+      <p:sp>
+        <p:nvSpPr>
+          <p:cNvPr id="7" name="Geschweifte Klammer links 6">
+            <a:extLst>
+              <a:ext uri="{FF2B5EF4-FFF2-40B4-BE49-F238E27FC236}">
+                <a16:creationId xmlns:a16="http://schemas.microsoft.com/office/drawing/2014/main" id="{BBA69D0D-AEFF-492D-B1BD-BDDB743F20AD}"/>
+              </a:ext>
+            </a:extLst>
+          </p:cNvPr>
+          <p:cNvSpPr/>
+          <p:nvPr/>
+        </p:nvSpPr>
+        <p:spPr>
+          <a:xfrm rot="5400000">
+            <a:off x="6771775" y="-658870"/>
+            <a:ext cx="270710" cy="7517734"/>
+          </a:xfrm>
+          <a:prstGeom prst="leftBrace">
+            <a:avLst>
+              <a:gd name="adj1" fmla="val 23889"/>
+              <a:gd name="adj2" fmla="val 50000"/>
+            </a:avLst>
+          </a:prstGeom>
+          <a:ln w="28575">
+            <a:solidFill>
+              <a:schemeClr val="tx1"/>
+            </a:solidFill>
+          </a:ln>
+        </p:spPr>
+        <p:style>
+          <a:lnRef idx="1">
+            <a:schemeClr val="accent1"/>
+          </a:lnRef>
+          <a:fillRef idx="0">
+            <a:schemeClr val="accent1"/>
+          </a:fillRef>
+          <a:effectRef idx="0">
+            <a:schemeClr val="accent1"/>
+          </a:effectRef>
+          <a:fontRef idx="minor">
+            <a:schemeClr val="tx1"/>
+          </a:fontRef>
+        </p:style>
+        <p:txBody>
+          <a:bodyPr rtlCol="0" anchor="ctr"/>
+          <a:lstStyle/>
+          <a:p>
+            <a:pPr algn="ctr"/>
+            <a:endParaRPr lang="en-US"/>
+          </a:p>
+        </p:txBody>
+      </p:sp>
+      <p:cxnSp>
+        <p:nvCxnSpPr>
+          <p:cNvPr id="10" name="Gerader Verbinder 9">
+            <a:extLst>
+              <a:ext uri="{FF2B5EF4-FFF2-40B4-BE49-F238E27FC236}">
+                <a16:creationId xmlns:a16="http://schemas.microsoft.com/office/drawing/2014/main" id="{5B5C4E4A-D960-4CBE-B7EA-CDB0FE327D17}"/>
+              </a:ext>
+            </a:extLst>
+          </p:cNvPr>
+          <p:cNvCxnSpPr>
+            <a:cxnSpLocks/>
+          </p:cNvCxnSpPr>
+          <p:nvPr/>
+        </p:nvCxnSpPr>
+        <p:spPr>
+          <a:xfrm>
+            <a:off x="3056021" y="1389647"/>
+            <a:ext cx="0" cy="1467853"/>
+          </a:xfrm>
+          <a:prstGeom prst="line">
+            <a:avLst/>
+          </a:prstGeom>
+          <a:ln w="28575">
+            <a:solidFill>
+              <a:srgbClr val="C00000"/>
+            </a:solidFill>
+          </a:ln>
+        </p:spPr>
+        <p:style>
+          <a:lnRef idx="1">
+            <a:schemeClr val="accent1"/>
+          </a:lnRef>
+          <a:fillRef idx="0">
+            <a:schemeClr val="accent1"/>
+          </a:fillRef>
+          <a:effectRef idx="0">
+            <a:schemeClr val="accent1"/>
+          </a:effectRef>
+          <a:fontRef idx="minor">
+            <a:schemeClr val="tx1"/>
+          </a:fontRef>
+        </p:style>
+      </p:cxnSp>
+      <p:sp>
+        <p:nvSpPr>
+          <p:cNvPr id="13" name="Textfeld 12">
+            <a:extLst>
+              <a:ext uri="{FF2B5EF4-FFF2-40B4-BE49-F238E27FC236}">
+                <a16:creationId xmlns:a16="http://schemas.microsoft.com/office/drawing/2014/main" id="{945C21CF-5ABF-4294-9CD5-870FD2A47CF0}"/>
+              </a:ext>
+            </a:extLst>
+          </p:cNvPr>
+          <p:cNvSpPr txBox="1"/>
+          <p:nvPr/>
+        </p:nvSpPr>
+        <p:spPr>
+          <a:xfrm rot="16200000">
+            <a:off x="2599324" y="1312702"/>
+            <a:ext cx="914401" cy="153888"/>
+          </a:xfrm>
+          <a:prstGeom prst="rect">
+            <a:avLst/>
+          </a:prstGeom>
+          <a:solidFill>
+            <a:schemeClr val="bg1"/>
+          </a:solidFill>
+        </p:spPr>
+        <p:txBody>
+          <a:bodyPr wrap="square" lIns="0" tIns="0" rIns="0" bIns="0" rtlCol="0">
+            <a:spAutoFit/>
+          </a:bodyPr>
+          <a:lstStyle/>
+          <a:p>
+            <a:pPr algn="ctr"/>
+            <a:r>
+              <a:rPr lang="de-DE" sz="1000" dirty="0" err="1"/>
+              <a:t>Rollover</a:t>
+            </a:r>
+            <a:r>
+              <a:rPr lang="de-DE" sz="1000" dirty="0"/>
+              <a:t> date</a:t>
+            </a:r>
+            <a:endParaRPr lang="en-US" sz="1000" dirty="0"/>
+          </a:p>
+        </p:txBody>
+      </p:sp>
+      <p:sp>
+        <p:nvSpPr>
+          <p:cNvPr id="14" name="Pfeil: nach links 13">
+            <a:extLst>
+              <a:ext uri="{FF2B5EF4-FFF2-40B4-BE49-F238E27FC236}">
+                <a16:creationId xmlns:a16="http://schemas.microsoft.com/office/drawing/2014/main" id="{620CA697-3F17-44FB-92E6-39F0806743B4}"/>
+              </a:ext>
+            </a:extLst>
+          </p:cNvPr>
+          <p:cNvSpPr/>
+          <p:nvPr/>
+        </p:nvSpPr>
+        <p:spPr>
+          <a:xfrm>
+            <a:off x="3144343" y="1396089"/>
+            <a:ext cx="7593596" cy="596904"/>
+          </a:xfrm>
+          <a:prstGeom prst="leftArrow">
+            <a:avLst/>
+          </a:prstGeom>
+        </p:spPr>
+        <p:style>
+          <a:lnRef idx="2">
+            <a:schemeClr val="accent1">
+              <a:shade val="50000"/>
+            </a:schemeClr>
+          </a:lnRef>
+          <a:fillRef idx="1">
+            <a:schemeClr val="accent1"/>
+          </a:fillRef>
+          <a:effectRef idx="0">
+            <a:schemeClr val="accent1"/>
+          </a:effectRef>
+          <a:fontRef idx="minor">
+            <a:schemeClr val="lt1"/>
+          </a:fontRef>
+        </p:style>
+        <p:txBody>
+          <a:bodyPr rtlCol="0" anchor="ctr"/>
+          <a:lstStyle/>
+          <a:p>
+            <a:pPr algn="ctr"/>
+            <a:r>
+              <a:rPr lang="en-US" dirty="0"/>
+              <a:t>Period after rollover until data is deleted</a:t>
+            </a:r>
+          </a:p>
+        </p:txBody>
+      </p:sp>
+      <p:sp>
+        <p:nvSpPr>
+          <p:cNvPr id="16" name="Rechteck 15">
+            <a:extLst>
+              <a:ext uri="{FF2B5EF4-FFF2-40B4-BE49-F238E27FC236}">
+                <a16:creationId xmlns:a16="http://schemas.microsoft.com/office/drawing/2014/main" id="{DA97C824-298B-4FDF-9B9A-684306DD4A30}"/>
+              </a:ext>
+            </a:extLst>
+          </p:cNvPr>
+          <p:cNvSpPr/>
+          <p:nvPr/>
+        </p:nvSpPr>
+        <p:spPr>
+          <a:xfrm>
+            <a:off x="3144252" y="2218586"/>
+            <a:ext cx="3669298" cy="638915"/>
+          </a:xfrm>
+          <a:prstGeom prst="rect">
+            <a:avLst/>
+          </a:prstGeom>
+        </p:spPr>
+        <p:style>
+          <a:lnRef idx="2">
+            <a:schemeClr val="dk1">
+              <a:shade val="50000"/>
+            </a:schemeClr>
+          </a:lnRef>
+          <a:fillRef idx="1">
+            <a:schemeClr val="dk1"/>
+          </a:fillRef>
+          <a:effectRef idx="0">
+            <a:schemeClr val="dk1"/>
+          </a:effectRef>
+          <a:fontRef idx="minor">
+            <a:schemeClr val="lt1"/>
+          </a:fontRef>
+        </p:style>
+        <p:txBody>
+          <a:bodyPr rtlCol="0" anchor="ctr"/>
+          <a:lstStyle/>
+          <a:p>
+            <a:r>
+              <a:rPr lang="en-US" sz="1000" dirty="0"/>
+              <a:t>An index moves to the next phase when the rollover date is a specified time ago. </a:t>
+            </a:r>
+            <a:br>
+              <a:rPr lang="en-US" sz="1000" dirty="0"/>
+            </a:br>
+            <a:r>
+              <a:rPr lang="en-US" sz="1000" dirty="0"/>
+              <a:t>Please note, that the solution is configured so that an index enters the Warm phase immediately after rollover.</a:t>
+            </a:r>
+          </a:p>
+        </p:txBody>
+      </p:sp>
+      <p:sp>
+        <p:nvSpPr>
+          <p:cNvPr id="17" name="Rechteck 16">
+            <a:extLst>
+              <a:ext uri="{FF2B5EF4-FFF2-40B4-BE49-F238E27FC236}">
+                <a16:creationId xmlns:a16="http://schemas.microsoft.com/office/drawing/2014/main" id="{85E518A8-587C-44B0-BD32-EC2151627114}"/>
+              </a:ext>
+            </a:extLst>
+          </p:cNvPr>
+          <p:cNvSpPr/>
+          <p:nvPr/>
+        </p:nvSpPr>
+        <p:spPr>
+          <a:xfrm>
+            <a:off x="6990013" y="2218586"/>
+            <a:ext cx="3747926" cy="649929"/>
+          </a:xfrm>
+          <a:prstGeom prst="rect">
+            <a:avLst/>
+          </a:prstGeom>
+        </p:spPr>
+        <p:style>
+          <a:lnRef idx="2">
+            <a:schemeClr val="dk1">
+              <a:shade val="50000"/>
+            </a:schemeClr>
+          </a:lnRef>
+          <a:fillRef idx="1">
+            <a:schemeClr val="dk1"/>
+          </a:fillRef>
+          <a:effectRef idx="0">
+            <a:schemeClr val="dk1"/>
+          </a:effectRef>
+          <a:fontRef idx="minor">
+            <a:schemeClr val="lt1"/>
+          </a:fontRef>
+        </p:style>
+        <p:txBody>
+          <a:bodyPr rtlCol="0" anchor="ctr"/>
+          <a:lstStyle/>
+          <a:p>
+            <a:r>
+              <a:rPr lang="en-US" sz="1000" dirty="0"/>
+              <a:t>Use the </a:t>
+            </a:r>
+            <a:r>
+              <a:rPr lang="en-US" sz="1000" dirty="0">
+                <a:solidFill>
+                  <a:srgbClr val="FFFF00"/>
+                </a:solidFill>
+              </a:rPr>
+              <a:t>days</a:t>
+            </a:r>
+            <a:r>
+              <a:rPr lang="en-US" sz="1000" dirty="0"/>
+              <a:t> parameter in the retention period config  to control this section. The solution breaks down the specified days between the Cold- and Delete-Phase respectively.</a:t>
+            </a:r>
+          </a:p>
+        </p:txBody>
+      </p:sp>
+    </p:spTree>
+    <p:extLst>
+      <p:ext uri="{BB962C8B-B14F-4D97-AF65-F5344CB8AC3E}">
+        <p14:creationId xmlns:p14="http://schemas.microsoft.com/office/powerpoint/2010/main" val="2492170521"/>
+      </p:ext>
+    </p:extLst>
+  </p:cSld>
+  <p:clrMapOvr>
+    <a:masterClrMapping/>
+  </p:clrMapOvr>
+</p:sld>
+</file>
+
 <file path=ppt/theme/theme1.xml><?xml version="1.0" encoding="utf-8"?>
 <a:theme xmlns:a="http://schemas.openxmlformats.org/drawingml/2006/main" name="Office">
   <a:themeElements>

--- a/imgs/overview.pptx
+++ b/imgs/overview.pptx
@@ -8725,8 +8725,8 @@
         </p:nvSpPr>
         <p:spPr>
           <a:xfrm>
-            <a:off x="549442" y="1389647"/>
-            <a:ext cx="2418347" cy="1467853"/>
+            <a:off x="549442" y="1028701"/>
+            <a:ext cx="2418347" cy="1828800"/>
           </a:xfrm>
           <a:prstGeom prst="rect">
             <a:avLst/>
@@ -8753,24 +8753,24 @@
           <a:lstStyle/>
           <a:p>
             <a:r>
-              <a:rPr lang="en-US" sz="1000" dirty="0"/>
+              <a:rPr lang="en-US" sz="1100" dirty="0"/>
               <a:t>The rollover criteria in the Hot-Phase define when an index is rolled over. </a:t>
             </a:r>
             <a:br>
-              <a:rPr lang="en-US" sz="1000" dirty="0"/>
+              <a:rPr lang="en-US" sz="1100" dirty="0"/>
             </a:br>
             <a:r>
-              <a:rPr lang="en-US" sz="1000" dirty="0"/>
+              <a:rPr lang="en-US" sz="1100" dirty="0"/>
               <a:t>If one of the defined rollover criteria is met, a new index is created and the old one starts its lifecycle via Warm, Cold and Delete. </a:t>
             </a:r>
           </a:p>
           <a:p>
             <a:r>
-              <a:rPr lang="en-US" sz="1000" dirty="0"/>
+              <a:rPr lang="en-US" sz="1100" dirty="0"/>
               <a:t>Depending on the amount of data in your environment, an index </a:t>
             </a:r>
             <a:r>
-              <a:rPr lang="en-US" sz="1000" dirty="0">
+              <a:rPr lang="en-US" sz="1100" dirty="0">
                 <a:solidFill>
                   <a:srgbClr val="FFFF00"/>
                 </a:solidFill>
@@ -9033,8 +9033,8 @@
         </p:nvSpPr>
         <p:spPr>
           <a:xfrm>
-            <a:off x="3144252" y="2218586"/>
-            <a:ext cx="3669298" cy="638915"/>
+            <a:off x="3144252" y="2089120"/>
+            <a:ext cx="3669298" cy="768381"/>
           </a:xfrm>
           <a:prstGeom prst="rect">
             <a:avLst/>
@@ -9061,14 +9061,14 @@
           <a:lstStyle/>
           <a:p>
             <a:r>
-              <a:rPr lang="en-US" sz="1000" dirty="0"/>
+              <a:rPr lang="en-US" sz="1100" dirty="0"/>
               <a:t>An index moves to the next phase when the rollover date is a specified time ago. </a:t>
             </a:r>
             <a:br>
-              <a:rPr lang="en-US" sz="1000" dirty="0"/>
+              <a:rPr lang="en-US" sz="1100" dirty="0"/>
             </a:br>
             <a:r>
-              <a:rPr lang="en-US" sz="1000" dirty="0"/>
+              <a:rPr lang="en-US" sz="1100" dirty="0"/>
               <a:t>Please note, that the solution is configured so that an index enters the Warm phase immediately after rollover.</a:t>
             </a:r>
           </a:p>
@@ -9088,8 +9088,8 @@
         </p:nvSpPr>
         <p:spPr>
           <a:xfrm>
-            <a:off x="6990013" y="2218586"/>
-            <a:ext cx="3747926" cy="649929"/>
+            <a:off x="6990013" y="2100134"/>
+            <a:ext cx="3747926" cy="768381"/>
           </a:xfrm>
           <a:prstGeom prst="rect">
             <a:avLst/>
@@ -9116,11 +9116,11 @@
           <a:lstStyle/>
           <a:p>
             <a:r>
-              <a:rPr lang="en-US" sz="1000" dirty="0"/>
+              <a:rPr lang="en-US" sz="1100" dirty="0"/>
               <a:t>Use the </a:t>
             </a:r>
             <a:r>
-              <a:rPr lang="en-US" sz="1000" dirty="0">
+              <a:rPr lang="en-US" sz="1100" dirty="0">
                 <a:solidFill>
                   <a:srgbClr val="FFFF00"/>
                 </a:solidFill>
@@ -9128,7 +9128,7 @@
               <a:t>days</a:t>
             </a:r>
             <a:r>
-              <a:rPr lang="en-US" sz="1000" dirty="0"/>
+              <a:rPr lang="en-US" sz="1100" dirty="0"/>
               <a:t> parameter in the retention period config  to control this section. The solution breaks down the specified days between the Cold- and Delete-Phase respectively.</a:t>
             </a:r>
           </a:p>

--- a/imgs/overview.pptx
+++ b/imgs/overview.pptx
@@ -9120,12 +9120,12 @@
               <a:t>Use the </a:t>
             </a:r>
             <a:r>
-              <a:rPr lang="en-US" sz="1100" dirty="0">
+              <a:rPr lang="en-US" sz="1100" dirty="0" err="1">
                 <a:solidFill>
                   <a:srgbClr val="FFFF00"/>
                 </a:solidFill>
               </a:rPr>
-              <a:t>days</a:t>
+              <a:t>retentionPeriod</a:t>
             </a:r>
             <a:r>
               <a:rPr lang="en-US" sz="1100" dirty="0"/>

--- a/imgs/overview.pptx
+++ b/imgs/overview.pptx
@@ -9,6 +9,7 @@
     <p:sldId id="257" r:id="rId3"/>
     <p:sldId id="258" r:id="rId4"/>
     <p:sldId id="259" r:id="rId5"/>
+    <p:sldId id="260" r:id="rId6"/>
   </p:sldIdLst>
   <p:sldSz cx="12192000" cy="6858000"/>
   <p:notesSz cx="6858000" cy="9144000"/>
@@ -264,7 +265,7 @@
           <a:p>
             <a:fld id="{4AF7FC59-CE6B-4373-8AD1-CA18C966BC3A}" type="datetimeFigureOut">
               <a:rPr lang="en-US" smtClean="0"/>
-              <a:t>1/20/2022</a:t>
+              <a:t>3/8/2022</a:t>
             </a:fld>
             <a:endParaRPr lang="en-US"/>
           </a:p>
@@ -464,7 +465,7 @@
           <a:p>
             <a:fld id="{4AF7FC59-CE6B-4373-8AD1-CA18C966BC3A}" type="datetimeFigureOut">
               <a:rPr lang="en-US" smtClean="0"/>
-              <a:t>1/20/2022</a:t>
+              <a:t>3/8/2022</a:t>
             </a:fld>
             <a:endParaRPr lang="en-US"/>
           </a:p>
@@ -674,7 +675,7 @@
           <a:p>
             <a:fld id="{4AF7FC59-CE6B-4373-8AD1-CA18C966BC3A}" type="datetimeFigureOut">
               <a:rPr lang="en-US" smtClean="0"/>
-              <a:t>1/20/2022</a:t>
+              <a:t>3/8/2022</a:t>
             </a:fld>
             <a:endParaRPr lang="en-US"/>
           </a:p>
@@ -874,7 +875,7 @@
           <a:p>
             <a:fld id="{4AF7FC59-CE6B-4373-8AD1-CA18C966BC3A}" type="datetimeFigureOut">
               <a:rPr lang="en-US" smtClean="0"/>
-              <a:t>1/20/2022</a:t>
+              <a:t>3/8/2022</a:t>
             </a:fld>
             <a:endParaRPr lang="en-US"/>
           </a:p>
@@ -1150,7 +1151,7 @@
           <a:p>
             <a:fld id="{4AF7FC59-CE6B-4373-8AD1-CA18C966BC3A}" type="datetimeFigureOut">
               <a:rPr lang="en-US" smtClean="0"/>
-              <a:t>1/20/2022</a:t>
+              <a:t>3/8/2022</a:t>
             </a:fld>
             <a:endParaRPr lang="en-US"/>
           </a:p>
@@ -1418,7 +1419,7 @@
           <a:p>
             <a:fld id="{4AF7FC59-CE6B-4373-8AD1-CA18C966BC3A}" type="datetimeFigureOut">
               <a:rPr lang="en-US" smtClean="0"/>
-              <a:t>1/20/2022</a:t>
+              <a:t>3/8/2022</a:t>
             </a:fld>
             <a:endParaRPr lang="en-US"/>
           </a:p>
@@ -1833,7 +1834,7 @@
           <a:p>
             <a:fld id="{4AF7FC59-CE6B-4373-8AD1-CA18C966BC3A}" type="datetimeFigureOut">
               <a:rPr lang="en-US" smtClean="0"/>
-              <a:t>1/20/2022</a:t>
+              <a:t>3/8/2022</a:t>
             </a:fld>
             <a:endParaRPr lang="en-US"/>
           </a:p>
@@ -1975,7 +1976,7 @@
           <a:p>
             <a:fld id="{4AF7FC59-CE6B-4373-8AD1-CA18C966BC3A}" type="datetimeFigureOut">
               <a:rPr lang="en-US" smtClean="0"/>
-              <a:t>1/20/2022</a:t>
+              <a:t>3/8/2022</a:t>
             </a:fld>
             <a:endParaRPr lang="en-US"/>
           </a:p>
@@ -2088,7 +2089,7 @@
           <a:p>
             <a:fld id="{4AF7FC59-CE6B-4373-8AD1-CA18C966BC3A}" type="datetimeFigureOut">
               <a:rPr lang="en-US" smtClean="0"/>
-              <a:t>1/20/2022</a:t>
+              <a:t>3/8/2022</a:t>
             </a:fld>
             <a:endParaRPr lang="en-US"/>
           </a:p>
@@ -2401,7 +2402,7 @@
           <a:p>
             <a:fld id="{4AF7FC59-CE6B-4373-8AD1-CA18C966BC3A}" type="datetimeFigureOut">
               <a:rPr lang="en-US" smtClean="0"/>
-              <a:t>1/20/2022</a:t>
+              <a:t>3/8/2022</a:t>
             </a:fld>
             <a:endParaRPr lang="en-US"/>
           </a:p>
@@ -2690,7 +2691,7 @@
           <a:p>
             <a:fld id="{4AF7FC59-CE6B-4373-8AD1-CA18C966BC3A}" type="datetimeFigureOut">
               <a:rPr lang="en-US" smtClean="0"/>
-              <a:t>1/20/2022</a:t>
+              <a:t>3/8/2022</a:t>
             </a:fld>
             <a:endParaRPr lang="en-US"/>
           </a:p>
@@ -2933,7 +2934,7 @@
           <a:p>
             <a:fld id="{4AF7FC59-CE6B-4373-8AD1-CA18C966BC3A}" type="datetimeFigureOut">
               <a:rPr lang="en-US" smtClean="0"/>
-              <a:t>1/20/2022</a:t>
+              <a:t>3/8/2022</a:t>
             </a:fld>
             <a:endParaRPr lang="en-US"/>
           </a:p>
@@ -9147,6 +9148,128 @@
 </p:sld>
 </file>
 
+<file path=ppt/slides/slide5.xml><?xml version="1.0" encoding="utf-8"?>
+<p:sld xmlns:a="http://schemas.openxmlformats.org/drawingml/2006/main" xmlns:r="http://schemas.openxmlformats.org/officeDocument/2006/relationships" xmlns:p="http://schemas.openxmlformats.org/presentationml/2006/main">
+  <p:cSld>
+    <p:spTree>
+      <p:nvGrpSpPr>
+        <p:cNvPr id="1" name=""/>
+        <p:cNvGrpSpPr/>
+        <p:nvPr/>
+      </p:nvGrpSpPr>
+      <p:grpSpPr>
+        <a:xfrm>
+          <a:off x="0" y="0"/>
+          <a:ext cx="0" cy="0"/>
+          <a:chOff x="0" y="0"/>
+          <a:chExt cx="0" cy="0"/>
+        </a:xfrm>
+      </p:grpSpPr>
+      <p:pic>
+        <p:nvPicPr>
+          <p:cNvPr id="5" name="Grafik 4" descr="Ein Bild, das Karte enthält.&#10;&#10;Automatisch generierte Beschreibung">
+            <a:extLst>
+              <a:ext uri="{FF2B5EF4-FFF2-40B4-BE49-F238E27FC236}">
+                <a16:creationId xmlns:a16="http://schemas.microsoft.com/office/drawing/2014/main" id="{777F811B-AC4D-452F-A3CA-6FB3112DEF1C}"/>
+              </a:ext>
+            </a:extLst>
+          </p:cNvPr>
+          <p:cNvPicPr>
+            <a:picLocks noChangeAspect="1"/>
+          </p:cNvPicPr>
+          <p:nvPr/>
+        </p:nvPicPr>
+        <p:blipFill>
+          <a:blip r:embed="rId2">
+            <a:extLst>
+              <a:ext uri="{28A0092B-C50C-407E-A947-70E740481C1C}">
+                <a14:useLocalDpi xmlns:a14="http://schemas.microsoft.com/office/drawing/2010/main" val="0"/>
+              </a:ext>
+            </a:extLst>
+          </a:blip>
+          <a:stretch>
+            <a:fillRect/>
+          </a:stretch>
+        </p:blipFill>
+        <p:spPr>
+          <a:xfrm>
+            <a:off x="141057" y="261819"/>
+            <a:ext cx="9145276" cy="4486901"/>
+          </a:xfrm>
+          <a:prstGeom prst="rect">
+            <a:avLst/>
+          </a:prstGeom>
+          <a:ln>
+            <a:noFill/>
+          </a:ln>
+          <a:effectLst>
+            <a:outerShdw blurRad="292100" dist="139700" dir="2700000" algn="tl" rotWithShape="0">
+              <a:srgbClr val="333333">
+                <a:alpha val="65000"/>
+              </a:srgbClr>
+            </a:outerShdw>
+          </a:effectLst>
+        </p:spPr>
+      </p:pic>
+      <p:pic>
+        <p:nvPicPr>
+          <p:cNvPr id="7" name="Grafik 6" descr="Ein Bild, das Karte enthält.&#10;&#10;Automatisch generierte Beschreibung">
+            <a:extLst>
+              <a:ext uri="{FF2B5EF4-FFF2-40B4-BE49-F238E27FC236}">
+                <a16:creationId xmlns:a16="http://schemas.microsoft.com/office/drawing/2014/main" id="{3B47490C-92D9-439D-B1A1-F490FA090623}"/>
+              </a:ext>
+            </a:extLst>
+          </p:cNvPr>
+          <p:cNvPicPr>
+            <a:picLocks noChangeAspect="1"/>
+          </p:cNvPicPr>
+          <p:nvPr/>
+        </p:nvPicPr>
+        <p:blipFill>
+          <a:blip r:embed="rId3">
+            <a:extLst>
+              <a:ext uri="{28A0092B-C50C-407E-A947-70E740481C1C}">
+                <a14:useLocalDpi xmlns:a14="http://schemas.microsoft.com/office/drawing/2010/main" val="0"/>
+              </a:ext>
+            </a:extLst>
+          </a:blip>
+          <a:stretch>
+            <a:fillRect/>
+          </a:stretch>
+        </p:blipFill>
+        <p:spPr>
+          <a:xfrm>
+            <a:off x="2905667" y="2930162"/>
+            <a:ext cx="8997084" cy="3666019"/>
+          </a:xfrm>
+          <a:prstGeom prst="rect">
+            <a:avLst/>
+          </a:prstGeom>
+          <a:ln>
+            <a:noFill/>
+          </a:ln>
+          <a:effectLst>
+            <a:outerShdw blurRad="292100" dist="139700" dir="2700000" algn="tl" rotWithShape="0">
+              <a:srgbClr val="333333">
+                <a:alpha val="65000"/>
+              </a:srgbClr>
+            </a:outerShdw>
+          </a:effectLst>
+        </p:spPr>
+      </p:pic>
+    </p:spTree>
+    <p:extLst>
+      <p:ext uri="{BB962C8B-B14F-4D97-AF65-F5344CB8AC3E}">
+        <p14:creationId xmlns:p14="http://schemas.microsoft.com/office/powerpoint/2010/main" val="2921434729"/>
+      </p:ext>
+    </p:extLst>
+  </p:cSld>
+  <p:clrMapOvr>
+    <a:masterClrMapping/>
+  </p:clrMapOvr>
+</p:sld>
+</file>
+
 <file path=ppt/theme/theme1.xml><?xml version="1.0" encoding="utf-8"?>
 <a:theme xmlns:a="http://schemas.openxmlformats.org/drawingml/2006/main" name="Office">
   <a:themeElements>
